--- a/optimization/kde_optim/kde_optim.pptx
+++ b/optimization/kde_optim/kde_optim.pptx
@@ -5,47 +5,47 @@
     <p:sldMasterId id="2147483648" r:id="rId1"/>
   </p:sldMasterIdLst>
   <p:notesMasterIdLst>
-    <p:notesMasterId r:id="rId37"/>
+    <p:notesMasterId r:id="rId4"/>
   </p:notesMasterIdLst>
   <p:handoutMasterIdLst>
-    <p:handoutMasterId r:id="rId38"/>
+    <p:handoutMasterId r:id="rId39"/>
   </p:handoutMasterIdLst>
   <p:sldIdLst>
-    <p:sldId id="256" r:id="rId2"/>
-    <p:sldId id="1571" r:id="rId3"/>
-    <p:sldId id="1575" r:id="rId4"/>
-    <p:sldId id="1576" r:id="rId5"/>
-    <p:sldId id="1577" r:id="rId6"/>
-    <p:sldId id="1579" r:id="rId7"/>
-    <p:sldId id="1580" r:id="rId8"/>
-    <p:sldId id="1583" r:id="rId9"/>
-    <p:sldId id="1587" r:id="rId10"/>
-    <p:sldId id="1590" r:id="rId11"/>
-    <p:sldId id="1612" r:id="rId12"/>
-    <p:sldId id="1591" r:id="rId13"/>
-    <p:sldId id="1604" r:id="rId14"/>
-    <p:sldId id="1592" r:id="rId15"/>
-    <p:sldId id="1596" r:id="rId16"/>
-    <p:sldId id="1595" r:id="rId17"/>
-    <p:sldId id="1606" r:id="rId18"/>
-    <p:sldId id="1607" r:id="rId19"/>
-    <p:sldId id="1593" r:id="rId20"/>
-    <p:sldId id="1605" r:id="rId21"/>
-    <p:sldId id="1601" r:id="rId22"/>
-    <p:sldId id="1608" r:id="rId23"/>
-    <p:sldId id="1594" r:id="rId24"/>
-    <p:sldId id="1609" r:id="rId25"/>
-    <p:sldId id="1611" r:id="rId26"/>
-    <p:sldId id="1628" r:id="rId27"/>
-    <p:sldId id="1629" r:id="rId28"/>
-    <p:sldId id="1631" r:id="rId29"/>
-    <p:sldId id="1636" r:id="rId30"/>
-    <p:sldId id="1632" r:id="rId31"/>
-    <p:sldId id="1633" r:id="rId32"/>
-    <p:sldId id="1634" r:id="rId33"/>
-    <p:sldId id="1635" r:id="rId34"/>
-    <p:sldId id="1637" r:id="rId35"/>
-    <p:sldId id="447" r:id="rId36"/>
+    <p:sldId id="256" r:id="rId3"/>
+    <p:sldId id="1571" r:id="rId5"/>
+    <p:sldId id="1575" r:id="rId6"/>
+    <p:sldId id="1576" r:id="rId7"/>
+    <p:sldId id="1577" r:id="rId8"/>
+    <p:sldId id="1579" r:id="rId9"/>
+    <p:sldId id="1580" r:id="rId10"/>
+    <p:sldId id="1583" r:id="rId11"/>
+    <p:sldId id="1587" r:id="rId12"/>
+    <p:sldId id="1590" r:id="rId13"/>
+    <p:sldId id="1612" r:id="rId14"/>
+    <p:sldId id="1591" r:id="rId15"/>
+    <p:sldId id="1604" r:id="rId16"/>
+    <p:sldId id="1592" r:id="rId17"/>
+    <p:sldId id="1596" r:id="rId18"/>
+    <p:sldId id="1595" r:id="rId19"/>
+    <p:sldId id="1606" r:id="rId20"/>
+    <p:sldId id="1607" r:id="rId21"/>
+    <p:sldId id="1593" r:id="rId22"/>
+    <p:sldId id="1605" r:id="rId23"/>
+    <p:sldId id="1601" r:id="rId24"/>
+    <p:sldId id="1608" r:id="rId25"/>
+    <p:sldId id="1594" r:id="rId26"/>
+    <p:sldId id="1609" r:id="rId27"/>
+    <p:sldId id="1611" r:id="rId28"/>
+    <p:sldId id="1628" r:id="rId29"/>
+    <p:sldId id="1629" r:id="rId30"/>
+    <p:sldId id="1631" r:id="rId31"/>
+    <p:sldId id="1636" r:id="rId32"/>
+    <p:sldId id="1632" r:id="rId33"/>
+    <p:sldId id="1633" r:id="rId34"/>
+    <p:sldId id="1634" r:id="rId35"/>
+    <p:sldId id="1635" r:id="rId36"/>
+    <p:sldId id="1637" r:id="rId37"/>
+    <p:sldId id="447" r:id="rId38"/>
   </p:sldIdLst>
   <p:sldSz cx="12192000" cy="6858000"/>
   <p:notesSz cx="6858000" cy="9144000"/>
@@ -174,25 +174,6 @@
       </a:defRPr>
     </a:lvl9pPr>
   </p:defaultTextStyle>
-  <p:extLst>
-    <p:ext uri="{EFAFB233-063F-42B5-8137-9DF3F51BA10A}">
-      <p15:sldGuideLst xmlns:p15="http://schemas.microsoft.com/office/powerpoint/2012/main">
-        <p15:guide id="1" orient="horz" pos="2184">
-          <p15:clr>
-            <a:srgbClr val="A4A3A4"/>
-          </p15:clr>
-        </p15:guide>
-        <p15:guide id="2" pos="3840">
-          <p15:clr>
-            <a:srgbClr val="A4A3A4"/>
-          </p15:clr>
-        </p15:guide>
-      </p15:sldGuideLst>
-    </p:ext>
-    <p:ext uri="{2D200454-40CA-4A62-9FC3-DE9A4176ACB9}">
-      <p15:notesGuideLst xmlns:p15="http://schemas.microsoft.com/office/powerpoint/2012/main"/>
-    </p:ext>
-  </p:extLst>
 </p:presentation>
 </file>
 
@@ -284,7 +265,6 @@
           <a:p>
             <a:fld id="{1E61E356-9D5B-4B74-84E5-CDBD6B09C9D7}" type="datetimeFigureOut">
               <a:rPr lang="zh-CN" altLang="en-US" smtClean="0"/>
-              <a:t>2023/5/13</a:t>
             </a:fld>
             <a:endParaRPr lang="zh-CN" altLang="en-US"/>
           </a:p>
@@ -350,18 +330,12 @@
           <a:p>
             <a:fld id="{0A01FBA7-F6F2-4F09-A963-26524D6B4A25}" type="slidenum">
               <a:rPr lang="zh-CN" altLang="en-US" smtClean="0"/>
-              <a:t>‹#›</a:t>
             </a:fld>
             <a:endParaRPr lang="zh-CN" altLang="en-US"/>
           </a:p>
         </p:txBody>
       </p:sp>
     </p:spTree>
-    <p:extLst>
-      <p:ext uri="{BB962C8B-B14F-4D97-AF65-F5344CB8AC3E}">
-        <p14:creationId xmlns:p14="http://schemas.microsoft.com/office/powerpoint/2010/main" val="1"/>
-      </p:ext>
-    </p:extLst>
   </p:cSld>
   <p:clrMap bg1="lt1" tx1="dk1" bg2="lt2" tx2="dk2" accent1="accent1" accent2="accent2" accent3="accent3" accent4="accent4" accent5="accent5" accent6="accent6" hlink="hlink" folHlink="folHlink"/>
 </p:handoutMaster>
@@ -459,7 +433,6 @@
             </a:pPr>
             <a:fld id="{683E5292-C197-4B29-8ABD-C7AEB5E0B154}" type="datetimeFigureOut">
               <a:rPr lang="en-US" altLang="zh-CN"/>
-              <a:t>5/13/2023</a:t>
             </a:fld>
             <a:endParaRPr lang="en-US" altLang="zh-CN"/>
           </a:p>
@@ -529,6 +502,7 @@
               <a:rPr lang="en-US" noProof="0"/>
               <a:t>Click to edit Master text styles</a:t>
             </a:r>
+            <a:endParaRPr lang="en-US" noProof="0"/>
           </a:p>
           <a:p>
             <a:pPr lvl="1"/>
@@ -536,6 +510,7 @@
               <a:rPr lang="en-US" noProof="0"/>
               <a:t>Second level</a:t>
             </a:r>
+            <a:endParaRPr lang="en-US" noProof="0"/>
           </a:p>
           <a:p>
             <a:pPr lvl="2"/>
@@ -543,6 +518,7 @@
               <a:rPr lang="en-US" noProof="0"/>
               <a:t>Third level</a:t>
             </a:r>
+            <a:endParaRPr lang="en-US" noProof="0"/>
           </a:p>
           <a:p>
             <a:pPr lvl="3"/>
@@ -550,6 +526,7 @@
               <a:rPr lang="en-US" noProof="0"/>
               <a:t>Fourth level</a:t>
             </a:r>
+            <a:endParaRPr lang="en-US" noProof="0"/>
           </a:p>
           <a:p>
             <a:pPr lvl="4"/>
@@ -557,6 +534,7 @@
               <a:rPr lang="en-US" noProof="0"/>
               <a:t>Fifth level</a:t>
             </a:r>
+            <a:endParaRPr lang="en-US" noProof="0"/>
           </a:p>
         </p:txBody>
       </p:sp>
@@ -630,7 +608,6 @@
             </a:pPr>
             <a:fld id="{B4C119E0-CEE4-4FF8-83B2-DC856A2C17CC}" type="slidenum">
               <a:rPr lang="en-US" altLang="zh-CN"/>
-              <a:t>‹#›</a:t>
             </a:fld>
             <a:endParaRPr lang="en-US" altLang="zh-CN"/>
           </a:p>
@@ -837,7 +814,6 @@
             </a:pPr>
             <a:fld id="{B4C119E0-CEE4-4FF8-83B2-DC856A2C17CC}" type="slidenum">
               <a:rPr lang="en-US" altLang="zh-CN" smtClean="0"/>
-              <a:t>1</a:t>
             </a:fld>
             <a:endParaRPr lang="en-US" altLang="zh-CN"/>
           </a:p>
@@ -919,7 +895,6 @@
             </a:pPr>
             <a:fld id="{B4C119E0-CEE4-4FF8-83B2-DC856A2C17CC}" type="slidenum">
               <a:rPr lang="en-US" altLang="zh-CN" smtClean="0"/>
-              <a:t>10</a:t>
             </a:fld>
             <a:endParaRPr lang="en-US" altLang="zh-CN"/>
           </a:p>
@@ -1001,7 +976,6 @@
             </a:pPr>
             <a:fld id="{B4C119E0-CEE4-4FF8-83B2-DC856A2C17CC}" type="slidenum">
               <a:rPr lang="en-US" altLang="zh-CN" smtClean="0"/>
-              <a:t>11</a:t>
             </a:fld>
             <a:endParaRPr lang="en-US" altLang="zh-CN"/>
           </a:p>
@@ -1083,7 +1057,6 @@
             </a:pPr>
             <a:fld id="{B4C119E0-CEE4-4FF8-83B2-DC856A2C17CC}" type="slidenum">
               <a:rPr lang="en-US" altLang="zh-CN" smtClean="0"/>
-              <a:t>12</a:t>
             </a:fld>
             <a:endParaRPr lang="en-US" altLang="zh-CN"/>
           </a:p>
@@ -1165,7 +1138,6 @@
             </a:pPr>
             <a:fld id="{B4C119E0-CEE4-4FF8-83B2-DC856A2C17CC}" type="slidenum">
               <a:rPr lang="en-US" altLang="zh-CN" smtClean="0"/>
-              <a:t>13</a:t>
             </a:fld>
             <a:endParaRPr lang="en-US" altLang="zh-CN"/>
           </a:p>
@@ -1247,7 +1219,6 @@
             </a:pPr>
             <a:fld id="{B4C119E0-CEE4-4FF8-83B2-DC856A2C17CC}" type="slidenum">
               <a:rPr lang="en-US" altLang="zh-CN" smtClean="0"/>
-              <a:t>14</a:t>
             </a:fld>
             <a:endParaRPr lang="en-US" altLang="zh-CN"/>
           </a:p>
@@ -1329,7 +1300,6 @@
             </a:pPr>
             <a:fld id="{B4C119E0-CEE4-4FF8-83B2-DC856A2C17CC}" type="slidenum">
               <a:rPr lang="en-US" altLang="zh-CN" smtClean="0"/>
-              <a:t>15</a:t>
             </a:fld>
             <a:endParaRPr lang="en-US" altLang="zh-CN"/>
           </a:p>
@@ -1411,7 +1381,6 @@
             </a:pPr>
             <a:fld id="{B4C119E0-CEE4-4FF8-83B2-DC856A2C17CC}" type="slidenum">
               <a:rPr lang="en-US" altLang="zh-CN" smtClean="0"/>
-              <a:t>16</a:t>
             </a:fld>
             <a:endParaRPr lang="en-US" altLang="zh-CN"/>
           </a:p>
@@ -1493,7 +1462,6 @@
             </a:pPr>
             <a:fld id="{B4C119E0-CEE4-4FF8-83B2-DC856A2C17CC}" type="slidenum">
               <a:rPr lang="en-US" altLang="zh-CN" smtClean="0"/>
-              <a:t>17</a:t>
             </a:fld>
             <a:endParaRPr lang="en-US" altLang="zh-CN"/>
           </a:p>
@@ -1575,7 +1543,6 @@
             </a:pPr>
             <a:fld id="{B4C119E0-CEE4-4FF8-83B2-DC856A2C17CC}" type="slidenum">
               <a:rPr lang="en-US" altLang="zh-CN" smtClean="0"/>
-              <a:t>18</a:t>
             </a:fld>
             <a:endParaRPr lang="en-US" altLang="zh-CN"/>
           </a:p>
@@ -1657,7 +1624,6 @@
             </a:pPr>
             <a:fld id="{B4C119E0-CEE4-4FF8-83B2-DC856A2C17CC}" type="slidenum">
               <a:rPr lang="en-US" altLang="zh-CN" smtClean="0"/>
-              <a:t>19</a:t>
             </a:fld>
             <a:endParaRPr lang="en-US" altLang="zh-CN"/>
           </a:p>
@@ -1739,7 +1705,6 @@
             </a:pPr>
             <a:fld id="{B4C119E0-CEE4-4FF8-83B2-DC856A2C17CC}" type="slidenum">
               <a:rPr lang="en-US" altLang="zh-CN" smtClean="0"/>
-              <a:t>2</a:t>
             </a:fld>
             <a:endParaRPr lang="en-US" altLang="zh-CN"/>
           </a:p>
@@ -1821,7 +1786,6 @@
             </a:pPr>
             <a:fld id="{B4C119E0-CEE4-4FF8-83B2-DC856A2C17CC}" type="slidenum">
               <a:rPr lang="en-US" altLang="zh-CN" smtClean="0"/>
-              <a:t>20</a:t>
             </a:fld>
             <a:endParaRPr lang="en-US" altLang="zh-CN"/>
           </a:p>
@@ -1903,7 +1867,6 @@
             </a:pPr>
             <a:fld id="{B4C119E0-CEE4-4FF8-83B2-DC856A2C17CC}" type="slidenum">
               <a:rPr lang="en-US" altLang="zh-CN" smtClean="0"/>
-              <a:t>21</a:t>
             </a:fld>
             <a:endParaRPr lang="en-US" altLang="zh-CN"/>
           </a:p>
@@ -1985,7 +1948,6 @@
             </a:pPr>
             <a:fld id="{B4C119E0-CEE4-4FF8-83B2-DC856A2C17CC}" type="slidenum">
               <a:rPr lang="en-US" altLang="zh-CN" smtClean="0"/>
-              <a:t>22</a:t>
             </a:fld>
             <a:endParaRPr lang="en-US" altLang="zh-CN"/>
           </a:p>
@@ -2067,7 +2029,6 @@
             </a:pPr>
             <a:fld id="{B4C119E0-CEE4-4FF8-83B2-DC856A2C17CC}" type="slidenum">
               <a:rPr lang="en-US" altLang="zh-CN" smtClean="0"/>
-              <a:t>23</a:t>
             </a:fld>
             <a:endParaRPr lang="en-US" altLang="zh-CN"/>
           </a:p>
@@ -2149,7 +2110,6 @@
             </a:pPr>
             <a:fld id="{B4C119E0-CEE4-4FF8-83B2-DC856A2C17CC}" type="slidenum">
               <a:rPr lang="en-US" altLang="zh-CN" smtClean="0"/>
-              <a:t>24</a:t>
             </a:fld>
             <a:endParaRPr lang="en-US" altLang="zh-CN"/>
           </a:p>
@@ -2231,7 +2191,6 @@
             </a:pPr>
             <a:fld id="{B4C119E0-CEE4-4FF8-83B2-DC856A2C17CC}" type="slidenum">
               <a:rPr lang="en-US" altLang="zh-CN" smtClean="0"/>
-              <a:t>25</a:t>
             </a:fld>
             <a:endParaRPr lang="en-US" altLang="zh-CN"/>
           </a:p>
@@ -2313,7 +2272,6 @@
             </a:pPr>
             <a:fld id="{B4C119E0-CEE4-4FF8-83B2-DC856A2C17CC}" type="slidenum">
               <a:rPr lang="en-US" altLang="zh-CN" smtClean="0"/>
-              <a:t>26</a:t>
             </a:fld>
             <a:endParaRPr lang="en-US" altLang="zh-CN"/>
           </a:p>
@@ -2395,7 +2353,6 @@
             </a:pPr>
             <a:fld id="{B4C119E0-CEE4-4FF8-83B2-DC856A2C17CC}" type="slidenum">
               <a:rPr lang="en-US" altLang="zh-CN" smtClean="0"/>
-              <a:t>27</a:t>
             </a:fld>
             <a:endParaRPr lang="en-US" altLang="zh-CN"/>
           </a:p>
@@ -2477,7 +2434,6 @@
             </a:pPr>
             <a:fld id="{B4C119E0-CEE4-4FF8-83B2-DC856A2C17CC}" type="slidenum">
               <a:rPr lang="en-US" altLang="zh-CN" smtClean="0"/>
-              <a:t>28</a:t>
             </a:fld>
             <a:endParaRPr lang="en-US" altLang="zh-CN"/>
           </a:p>
@@ -2559,7 +2515,6 @@
             </a:pPr>
             <a:fld id="{B4C119E0-CEE4-4FF8-83B2-DC856A2C17CC}" type="slidenum">
               <a:rPr lang="en-US" altLang="zh-CN" smtClean="0"/>
-              <a:t>29</a:t>
             </a:fld>
             <a:endParaRPr lang="en-US" altLang="zh-CN"/>
           </a:p>
@@ -2641,7 +2596,6 @@
             </a:pPr>
             <a:fld id="{B4C119E0-CEE4-4FF8-83B2-DC856A2C17CC}" type="slidenum">
               <a:rPr lang="en-US" altLang="zh-CN" smtClean="0"/>
-              <a:t>3</a:t>
             </a:fld>
             <a:endParaRPr lang="en-US" altLang="zh-CN"/>
           </a:p>
@@ -2723,7 +2677,6 @@
             </a:pPr>
             <a:fld id="{B4C119E0-CEE4-4FF8-83B2-DC856A2C17CC}" type="slidenum">
               <a:rPr lang="en-US" altLang="zh-CN" smtClean="0"/>
-              <a:t>30</a:t>
             </a:fld>
             <a:endParaRPr lang="en-US" altLang="zh-CN"/>
           </a:p>
@@ -2805,7 +2758,6 @@
             </a:pPr>
             <a:fld id="{B4C119E0-CEE4-4FF8-83B2-DC856A2C17CC}" type="slidenum">
               <a:rPr lang="en-US" altLang="zh-CN" smtClean="0"/>
-              <a:t>31</a:t>
             </a:fld>
             <a:endParaRPr lang="en-US" altLang="zh-CN"/>
           </a:p>
@@ -2887,7 +2839,6 @@
             </a:pPr>
             <a:fld id="{B4C119E0-CEE4-4FF8-83B2-DC856A2C17CC}" type="slidenum">
               <a:rPr lang="en-US" altLang="zh-CN" smtClean="0"/>
-              <a:t>32</a:t>
             </a:fld>
             <a:endParaRPr lang="en-US" altLang="zh-CN"/>
           </a:p>
@@ -2969,7 +2920,6 @@
             </a:pPr>
             <a:fld id="{B4C119E0-CEE4-4FF8-83B2-DC856A2C17CC}" type="slidenum">
               <a:rPr lang="en-US" altLang="zh-CN" smtClean="0"/>
-              <a:t>33</a:t>
             </a:fld>
             <a:endParaRPr lang="en-US" altLang="zh-CN"/>
           </a:p>
@@ -3051,7 +3001,6 @@
             </a:pPr>
             <a:fld id="{B4C119E0-CEE4-4FF8-83B2-DC856A2C17CC}" type="slidenum">
               <a:rPr lang="en-US" altLang="zh-CN" smtClean="0"/>
-              <a:t>34</a:t>
             </a:fld>
             <a:endParaRPr lang="en-US" altLang="zh-CN"/>
           </a:p>
@@ -3133,7 +3082,6 @@
             </a:pPr>
             <a:fld id="{B4C119E0-CEE4-4FF8-83B2-DC856A2C17CC}" type="slidenum">
               <a:rPr lang="en-US" altLang="zh-CN" smtClean="0"/>
-              <a:t>4</a:t>
             </a:fld>
             <a:endParaRPr lang="en-US" altLang="zh-CN"/>
           </a:p>
@@ -3215,7 +3163,6 @@
             </a:pPr>
             <a:fld id="{B4C119E0-CEE4-4FF8-83B2-DC856A2C17CC}" type="slidenum">
               <a:rPr lang="en-US" altLang="zh-CN" smtClean="0"/>
-              <a:t>5</a:t>
             </a:fld>
             <a:endParaRPr lang="en-US" altLang="zh-CN"/>
           </a:p>
@@ -3297,7 +3244,6 @@
             </a:pPr>
             <a:fld id="{B4C119E0-CEE4-4FF8-83B2-DC856A2C17CC}" type="slidenum">
               <a:rPr lang="en-US" altLang="zh-CN" smtClean="0"/>
-              <a:t>6</a:t>
             </a:fld>
             <a:endParaRPr lang="en-US" altLang="zh-CN"/>
           </a:p>
@@ -3379,7 +3325,6 @@
             </a:pPr>
             <a:fld id="{B4C119E0-CEE4-4FF8-83B2-DC856A2C17CC}" type="slidenum">
               <a:rPr lang="en-US" altLang="zh-CN" smtClean="0"/>
-              <a:t>7</a:t>
             </a:fld>
             <a:endParaRPr lang="en-US" altLang="zh-CN"/>
           </a:p>
@@ -3461,7 +3406,6 @@
             </a:pPr>
             <a:fld id="{B4C119E0-CEE4-4FF8-83B2-DC856A2C17CC}" type="slidenum">
               <a:rPr lang="en-US" altLang="zh-CN" smtClean="0"/>
-              <a:t>8</a:t>
             </a:fld>
             <a:endParaRPr lang="en-US" altLang="zh-CN"/>
           </a:p>
@@ -3543,7 +3487,6 @@
             </a:pPr>
             <a:fld id="{B4C119E0-CEE4-4FF8-83B2-DC856A2C17CC}" type="slidenum">
               <a:rPr lang="en-US" altLang="zh-CN" smtClean="0"/>
-              <a:t>9</a:t>
             </a:fld>
             <a:endParaRPr lang="en-US" altLang="zh-CN"/>
           </a:p>
@@ -3558,7 +3501,7 @@
 </file>
 
 <file path=ppt/slideLayouts/slideLayout1.xml><?xml version="1.0" encoding="utf-8"?>
-<p:sldLayout xmlns:a="http://schemas.openxmlformats.org/drawingml/2006/main" xmlns:r="http://schemas.openxmlformats.org/officeDocument/2006/relationships" xmlns:p="http://schemas.openxmlformats.org/presentationml/2006/main" showMasterSp="0" preserve="1">
+<p:sldLayout xmlns:a="http://schemas.openxmlformats.org/drawingml/2006/main" xmlns:r="http://schemas.openxmlformats.org/officeDocument/2006/relationships" xmlns:p="http://schemas.openxmlformats.org/presentationml/2006/main" preserve="1" showMasterSp="0">
   <p:cSld name="标题幻灯片">
     <p:spTree>
       <p:nvGrpSpPr>
@@ -4048,6 +3991,7 @@
               <a:rPr lang="zh-CN" altLang="en-US"/>
               <a:t>编辑母版文本样式</a:t>
             </a:r>
+            <a:endParaRPr lang="zh-CN" altLang="en-US"/>
           </a:p>
         </p:txBody>
       </p:sp>
@@ -4529,6 +4473,7 @@
               <a:rPr lang="en-US" dirty="0"/>
               <a:t>Click to edit Master text styles</a:t>
             </a:r>
+            <a:endParaRPr lang="en-US" dirty="0"/>
           </a:p>
           <a:p>
             <a:pPr lvl="1"/>
@@ -4536,6 +4481,7 @@
               <a:rPr lang="en-US" dirty="0"/>
               <a:t>Second level</a:t>
             </a:r>
+            <a:endParaRPr lang="en-US" dirty="0"/>
           </a:p>
           <a:p>
             <a:pPr lvl="2"/>
@@ -4543,6 +4489,7 @@
               <a:rPr lang="en-US" dirty="0"/>
               <a:t>Third level</a:t>
             </a:r>
+            <a:endParaRPr lang="en-US" dirty="0"/>
           </a:p>
         </p:txBody>
       </p:sp>
@@ -4658,6 +4605,7 @@
               <a:rPr lang="en-US" dirty="0"/>
               <a:t>Click to edit Master text styles</a:t>
             </a:r>
+            <a:endParaRPr lang="en-US" dirty="0"/>
           </a:p>
           <a:p>
             <a:pPr lvl="1"/>
@@ -4665,6 +4613,7 @@
               <a:rPr lang="en-US" dirty="0"/>
               <a:t>Second level</a:t>
             </a:r>
+            <a:endParaRPr lang="en-US" dirty="0"/>
           </a:p>
           <a:p>
             <a:pPr lvl="2"/>
@@ -4672,6 +4621,7 @@
               <a:rPr lang="en-US" dirty="0"/>
               <a:t>Third level</a:t>
             </a:r>
+            <a:endParaRPr lang="en-US" dirty="0"/>
           </a:p>
         </p:txBody>
       </p:sp>
@@ -4783,7 +4733,7 @@
 </file>
 
 <file path=ppt/slideLayouts/slideLayout6.xml><?xml version="1.0" encoding="utf-8"?>
-<p:sldLayout xmlns:a="http://schemas.openxmlformats.org/drawingml/2006/main" xmlns:r="http://schemas.openxmlformats.org/officeDocument/2006/relationships" xmlns:p="http://schemas.openxmlformats.org/presentationml/2006/main" showMasterSp="0" preserve="1">
+<p:sldLayout xmlns:a="http://schemas.openxmlformats.org/drawingml/2006/main" xmlns:r="http://schemas.openxmlformats.org/officeDocument/2006/relationships" xmlns:p="http://schemas.openxmlformats.org/presentationml/2006/main" preserve="1" showMasterSp="0">
   <p:cSld name="empty">
     <p:spTree>
       <p:nvGrpSpPr>
@@ -4878,6 +4828,7 @@
               <a:rPr lang="en-US" dirty="0"/>
               <a:t>Click to edit Master title style</a:t>
             </a:r>
+            <a:endParaRPr lang="en-US" dirty="0"/>
           </a:p>
         </p:txBody>
       </p:sp>
@@ -4923,7 +4874,6 @@
           <a:p>
             <a:fld id="{3B5A6BFC-2A1B-4612-A49A-7EA37C32840A}" type="datetimeFigureOut">
               <a:rPr lang="zh-CN" altLang="en-US" smtClean="0"/>
-              <a:t>2023/5/13</a:t>
             </a:fld>
             <a:endParaRPr lang="zh-CN" altLang="en-US"/>
           </a:p>
@@ -4965,7 +4915,6 @@
           <a:p>
             <a:fld id="{D250C8A0-7216-4533-B390-5BB94554BCC8}" type="slidenum">
               <a:rPr lang="zh-CN" altLang="en-US" smtClean="0"/>
-              <a:t>‹#›</a:t>
             </a:fld>
             <a:endParaRPr lang="zh-CN" altLang="en-US"/>
           </a:p>
@@ -5072,6 +5021,7 @@
               <a:rPr lang="en-US" altLang="zh-CN" dirty="0"/>
               <a:t>Click to edit Master text styles</a:t>
             </a:r>
+            <a:endParaRPr lang="en-US" altLang="zh-CN" dirty="0"/>
           </a:p>
           <a:p>
             <a:pPr lvl="1"/>
@@ -5079,6 +5029,7 @@
               <a:rPr lang="en-US" altLang="zh-CN" dirty="0"/>
               <a:t>Second level</a:t>
             </a:r>
+            <a:endParaRPr lang="en-US" altLang="zh-CN" dirty="0"/>
           </a:p>
           <a:p>
             <a:pPr lvl="2"/>
@@ -5086,6 +5037,7 @@
               <a:rPr lang="en-US" altLang="zh-CN" dirty="0"/>
               <a:t>Third level</a:t>
             </a:r>
+            <a:endParaRPr lang="en-US" altLang="zh-CN" dirty="0"/>
           </a:p>
         </p:txBody>
       </p:sp>
@@ -5135,7 +5087,7 @@
           <p:nvPr/>
         </p:nvPicPr>
         <p:blipFill>
-          <a:blip r:embed="rId11" cstate="screen"/>
+          <a:blip r:embed="rId10" cstate="screen"/>
           <a:srcRect/>
           <a:stretch>
             <a:fillRect/>
@@ -5226,7 +5178,6 @@
                 <a:ea typeface="+mn-ea"/>
                 <a:cs typeface="Arial" panose="02080604020202020204" pitchFamily="34" charset="0"/>
               </a:rPr>
-              <a:t>‹#›</a:t>
             </a:fld>
             <a:endParaRPr lang="en-US" altLang="zh-CN" sz="1200" kern="1200" dirty="0">
               <a:solidFill>
@@ -6074,6 +6025,7 @@
               <a:rPr lang="en-US" altLang="zh-CN" dirty="0"/>
               <a:t>2022.1.13</a:t>
             </a:r>
+            <a:endParaRPr lang="en-US" altLang="zh-CN" dirty="0"/>
           </a:p>
         </p:txBody>
       </p:sp>
@@ -6129,6 +6081,10 @@
               </a:rPr>
               <a:t>论文分享</a:t>
             </a:r>
+            <a:endParaRPr lang="zh-CN" altLang="en-US" b="1" dirty="0">
+              <a:latin typeface="Times New Roman" panose="02020603050405020304" pitchFamily="18" charset="0"/>
+              <a:cs typeface="Times New Roman" panose="02020603050405020304" pitchFamily="18" charset="0"/>
+            </a:endParaRPr>
           </a:p>
         </p:txBody>
       </p:sp>
@@ -6172,6 +6128,7 @@
               <a:rPr lang="zh-CN" altLang="en-US" sz="2000" dirty="0"/>
               <a:t>》</a:t>
             </a:r>
+            <a:endParaRPr lang="zh-CN" altLang="en-US" sz="2000" dirty="0"/>
           </a:p>
         </p:txBody>
       </p:sp>
@@ -6184,7 +6141,7 @@
           <p:nvPr/>
         </p:nvPicPr>
         <p:blipFill>
-          <a:blip r:embed="rId3"/>
+          <a:blip r:embed="rId1"/>
           <a:stretch>
             <a:fillRect/>
           </a:stretch>
@@ -6229,6 +6186,7 @@
               <a:rPr lang="zh-CN" altLang="en-US"/>
               <a:t>问题形式</a:t>
             </a:r>
+            <a:endParaRPr lang="zh-CN" altLang="en-US"/>
           </a:p>
         </p:txBody>
       </p:sp>
@@ -6262,6 +6220,7 @@
               <a:rPr lang="zh-CN" altLang="en-US"/>
               <a:t>和我们问题的关联</a:t>
             </a:r>
+            <a:endParaRPr lang="zh-CN" altLang="en-US"/>
           </a:p>
         </p:txBody>
       </p:sp>
@@ -6274,7 +6233,7 @@
           <p:nvPr/>
         </p:nvPicPr>
         <p:blipFill>
-          <a:blip r:embed="rId4"/>
+          <a:blip r:embed="rId2"/>
           <a:stretch>
             <a:fillRect/>
           </a:stretch>
@@ -6315,6 +6274,7 @@
               <a:rPr lang="zh-CN" altLang="en-US"/>
               <a:t>转化为对偶问题存在的问题</a:t>
             </a:r>
+            <a:endParaRPr lang="zh-CN" altLang="en-US"/>
           </a:p>
         </p:txBody>
       </p:sp>
@@ -6323,11 +6283,11 @@
   <p:clrMapOvr>
     <a:masterClrMapping/>
   </p:clrMapOvr>
-  <mc:AlternateContent xmlns:mc="http://schemas.openxmlformats.org/markup-compatibility/2006" xmlns:p14="http://schemas.microsoft.com/office/powerpoint/2010/main">
-    <mc:Choice Requires="p14">
+  <mc:AlternateContent xmlns:mc="http://schemas.openxmlformats.org/markup-compatibility/2006">
+    <mc:Choice xmlns:p14="http://schemas.microsoft.com/office/powerpoint/2010/main" Requires="p14">
       <p:transition spd="slow" p14:dur="1600"/>
     </mc:Choice>
-    <mc:Fallback xmlns="">
+    <mc:Fallback>
       <p:transition spd="slow"/>
     </mc:Fallback>
   </mc:AlternateContent>
@@ -6378,6 +6338,10 @@
               </a:rPr>
               <a:t>论文分享</a:t>
             </a:r>
+            <a:endParaRPr lang="zh-CN" altLang="en-US" b="1" dirty="0">
+              <a:latin typeface="Times New Roman" panose="02020603050405020304" pitchFamily="18" charset="0"/>
+              <a:cs typeface="Times New Roman" panose="02020603050405020304" pitchFamily="18" charset="0"/>
+            </a:endParaRPr>
           </a:p>
         </p:txBody>
       </p:sp>
@@ -6421,6 +6385,7 @@
               <a:rPr lang="zh-CN" altLang="en-US" sz="2000" dirty="0"/>
               <a:t>》</a:t>
             </a:r>
+            <a:endParaRPr lang="zh-CN" altLang="en-US" sz="2000" dirty="0"/>
           </a:p>
         </p:txBody>
       </p:sp>
@@ -6454,12 +6419,61 @@
               <a:rPr lang="zh-CN" altLang="en-US"/>
               <a:t>对偶问题形式</a:t>
             </a:r>
+            <a:endParaRPr lang="zh-CN" altLang="en-US"/>
           </a:p>
         </p:txBody>
       </p:sp>
       <p:pic>
         <p:nvPicPr>
           <p:cNvPr id="9" name="图片 8"/>
+          <p:cNvPicPr>
+            <a:picLocks noChangeAspect="1"/>
+          </p:cNvPicPr>
+          <p:nvPr/>
+        </p:nvPicPr>
+        <p:blipFill>
+          <a:blip r:embed="rId1"/>
+          <a:stretch>
+            <a:fillRect/>
+          </a:stretch>
+        </p:blipFill>
+        <p:spPr>
+          <a:xfrm>
+            <a:off x="2819400" y="4724400"/>
+            <a:ext cx="2181225" cy="514350"/>
+          </a:xfrm>
+          <a:prstGeom prst="rect">
+            <a:avLst/>
+          </a:prstGeom>
+        </p:spPr>
+      </p:pic>
+      <p:pic>
+        <p:nvPicPr>
+          <p:cNvPr id="10" name="图片 9"/>
+          <p:cNvPicPr>
+            <a:picLocks noChangeAspect="1"/>
+          </p:cNvPicPr>
+          <p:nvPr/>
+        </p:nvPicPr>
+        <p:blipFill>
+          <a:blip r:embed="rId2"/>
+          <a:stretch>
+            <a:fillRect/>
+          </a:stretch>
+        </p:blipFill>
+        <p:spPr>
+          <a:xfrm>
+            <a:off x="5000625" y="4572000"/>
+            <a:ext cx="3829050" cy="704850"/>
+          </a:xfrm>
+          <a:prstGeom prst="rect">
+            <a:avLst/>
+          </a:prstGeom>
+        </p:spPr>
+      </p:pic>
+      <p:pic>
+        <p:nvPicPr>
+          <p:cNvPr id="11" name="图片 10"/>
           <p:cNvPicPr>
             <a:picLocks noChangeAspect="1"/>
           </p:cNvPicPr>
@@ -6473,8 +6487,8 @@
         </p:blipFill>
         <p:spPr>
           <a:xfrm>
-            <a:off x="2819400" y="4724400"/>
-            <a:ext cx="2181225" cy="514350"/>
+            <a:off x="2895600" y="3508375"/>
+            <a:ext cx="1400175" cy="323850"/>
           </a:xfrm>
           <a:prstGeom prst="rect">
             <a:avLst/>
@@ -6483,7 +6497,7 @@
       </p:pic>
       <p:pic>
         <p:nvPicPr>
-          <p:cNvPr id="10" name="图片 9"/>
+          <p:cNvPr id="12" name="图片 11"/>
           <p:cNvPicPr>
             <a:picLocks noChangeAspect="1"/>
           </p:cNvPicPr>
@@ -6497,54 +6511,6 @@
         </p:blipFill>
         <p:spPr>
           <a:xfrm>
-            <a:off x="5000625" y="4572000"/>
-            <a:ext cx="3829050" cy="704850"/>
-          </a:xfrm>
-          <a:prstGeom prst="rect">
-            <a:avLst/>
-          </a:prstGeom>
-        </p:spPr>
-      </p:pic>
-      <p:pic>
-        <p:nvPicPr>
-          <p:cNvPr id="11" name="图片 10"/>
-          <p:cNvPicPr>
-            <a:picLocks noChangeAspect="1"/>
-          </p:cNvPicPr>
-          <p:nvPr/>
-        </p:nvPicPr>
-        <p:blipFill>
-          <a:blip r:embed="rId5"/>
-          <a:stretch>
-            <a:fillRect/>
-          </a:stretch>
-        </p:blipFill>
-        <p:spPr>
-          <a:xfrm>
-            <a:off x="2895600" y="3508375"/>
-            <a:ext cx="1400175" cy="323850"/>
-          </a:xfrm>
-          <a:prstGeom prst="rect">
-            <a:avLst/>
-          </a:prstGeom>
-        </p:spPr>
-      </p:pic>
-      <p:pic>
-        <p:nvPicPr>
-          <p:cNvPr id="12" name="图片 11"/>
-          <p:cNvPicPr>
-            <a:picLocks noChangeAspect="1"/>
-          </p:cNvPicPr>
-          <p:nvPr/>
-        </p:nvPicPr>
-        <p:blipFill>
-          <a:blip r:embed="rId6"/>
-          <a:stretch>
-            <a:fillRect/>
-          </a:stretch>
-        </p:blipFill>
-        <p:spPr>
-          <a:xfrm>
             <a:off x="5638800" y="3549650"/>
             <a:ext cx="762000" cy="304800"/>
           </a:xfrm>
@@ -6579,6 +6545,7 @@
               <a:rPr lang="en-US" altLang="zh-CN"/>
               <a:t>s.t.</a:t>
             </a:r>
+            <a:endParaRPr lang="en-US" altLang="zh-CN"/>
           </a:p>
         </p:txBody>
       </p:sp>
@@ -6608,6 +6575,7 @@
               <a:rPr lang="zh-CN" altLang="en-US"/>
               <a:t>转化为对偶形式存在的问题</a:t>
             </a:r>
+            <a:endParaRPr lang="zh-CN" altLang="en-US"/>
           </a:p>
         </p:txBody>
       </p:sp>
@@ -6616,11 +6584,11 @@
   <p:clrMapOvr>
     <a:masterClrMapping/>
   </p:clrMapOvr>
-  <mc:AlternateContent xmlns:mc="http://schemas.openxmlformats.org/markup-compatibility/2006" xmlns:p14="http://schemas.microsoft.com/office/powerpoint/2010/main">
-    <mc:Choice Requires="p14">
+  <mc:AlternateContent xmlns:mc="http://schemas.openxmlformats.org/markup-compatibility/2006">
+    <mc:Choice xmlns:p14="http://schemas.microsoft.com/office/powerpoint/2010/main" Requires="p14">
       <p:transition spd="slow" p14:dur="1600"/>
     </mc:Choice>
-    <mc:Fallback xmlns="">
+    <mc:Fallback>
       <p:transition spd="slow"/>
     </mc:Fallback>
   </mc:AlternateContent>
@@ -6671,6 +6639,10 @@
               </a:rPr>
               <a:t>论文分享</a:t>
             </a:r>
+            <a:endParaRPr lang="zh-CN" altLang="en-US" b="1" dirty="0">
+              <a:latin typeface="Times New Roman" panose="02020603050405020304" pitchFamily="18" charset="0"/>
+              <a:cs typeface="Times New Roman" panose="02020603050405020304" pitchFamily="18" charset="0"/>
+            </a:endParaRPr>
           </a:p>
         </p:txBody>
       </p:sp>
@@ -6683,7 +6655,7 @@
           <p:nvPr/>
         </p:nvPicPr>
         <p:blipFill>
-          <a:blip r:embed="rId3"/>
+          <a:blip r:embed="rId1"/>
           <a:stretch>
             <a:fillRect/>
           </a:stretch>
@@ -6724,6 +6696,7 @@
               <a:rPr lang="en-US" altLang="zh-CN" sz="2000"/>
               <a:t>1. Relaxation by randomization</a:t>
             </a:r>
+            <a:endParaRPr lang="en-US" altLang="zh-CN" sz="2000"/>
           </a:p>
         </p:txBody>
       </p:sp>
@@ -6736,7 +6709,7 @@
           <p:nvPr/>
         </p:nvPicPr>
         <p:blipFill>
-          <a:blip r:embed="rId4"/>
+          <a:blip r:embed="rId2"/>
           <a:stretch>
             <a:fillRect/>
           </a:stretch>
@@ -6756,11 +6729,11 @@
   <p:clrMapOvr>
     <a:masterClrMapping/>
   </p:clrMapOvr>
-  <mc:AlternateContent xmlns:mc="http://schemas.openxmlformats.org/markup-compatibility/2006" xmlns:p14="http://schemas.microsoft.com/office/powerpoint/2010/main">
-    <mc:Choice Requires="p14">
+  <mc:AlternateContent xmlns:mc="http://schemas.openxmlformats.org/markup-compatibility/2006">
+    <mc:Choice xmlns:p14="http://schemas.microsoft.com/office/powerpoint/2010/main" Requires="p14">
       <p:transition spd="slow" p14:dur="1600"/>
     </mc:Choice>
-    <mc:Fallback xmlns="">
+    <mc:Fallback>
       <p:transition spd="slow"/>
     </mc:Fallback>
   </mc:AlternateContent>
@@ -6811,6 +6784,10 @@
               </a:rPr>
               <a:t>论文分享</a:t>
             </a:r>
+            <a:endParaRPr lang="zh-CN" altLang="en-US" b="1" dirty="0">
+              <a:latin typeface="Times New Roman" panose="02020603050405020304" pitchFamily="18" charset="0"/>
+              <a:cs typeface="Times New Roman" panose="02020603050405020304" pitchFamily="18" charset="0"/>
+            </a:endParaRPr>
           </a:p>
         </p:txBody>
       </p:sp>
@@ -6840,6 +6817,7 @@
               <a:rPr lang="en-US" altLang="zh-CN" sz="2000"/>
               <a:t>1. Relaxation by randomization</a:t>
             </a:r>
+            <a:endParaRPr lang="en-US" altLang="zh-CN" sz="2000"/>
           </a:p>
         </p:txBody>
       </p:sp>
@@ -6852,7 +6830,7 @@
           <p:nvPr/>
         </p:nvPicPr>
         <p:blipFill>
-          <a:blip r:embed="rId3"/>
+          <a:blip r:embed="rId1"/>
           <a:stretch>
             <a:fillRect/>
           </a:stretch>
@@ -6872,11 +6850,11 @@
   <p:clrMapOvr>
     <a:masterClrMapping/>
   </p:clrMapOvr>
-  <mc:AlternateContent xmlns:mc="http://schemas.openxmlformats.org/markup-compatibility/2006" xmlns:p14="http://schemas.microsoft.com/office/powerpoint/2010/main">
-    <mc:Choice Requires="p14">
+  <mc:AlternateContent xmlns:mc="http://schemas.openxmlformats.org/markup-compatibility/2006">
+    <mc:Choice xmlns:p14="http://schemas.microsoft.com/office/powerpoint/2010/main" Requires="p14">
       <p:transition spd="slow" p14:dur="1600"/>
     </mc:Choice>
-    <mc:Fallback xmlns="">
+    <mc:Fallback>
       <p:transition spd="slow"/>
     </mc:Fallback>
   </mc:AlternateContent>
@@ -6927,6 +6905,10 @@
               </a:rPr>
               <a:t>论文分享</a:t>
             </a:r>
+            <a:endParaRPr lang="zh-CN" altLang="en-US" b="1" dirty="0">
+              <a:latin typeface="Times New Roman" panose="02020603050405020304" pitchFamily="18" charset="0"/>
+              <a:cs typeface="Times New Roman" panose="02020603050405020304" pitchFamily="18" charset="0"/>
+            </a:endParaRPr>
           </a:p>
         </p:txBody>
       </p:sp>
@@ -6956,6 +6938,7 @@
               <a:rPr lang="en-US" altLang="zh-CN" sz="2000"/>
               <a:t>2.1 Basic Frank-Wolfe algorithm:</a:t>
             </a:r>
+            <a:endParaRPr lang="en-US" altLang="zh-CN" sz="2000"/>
           </a:p>
         </p:txBody>
       </p:sp>
@@ -6968,7 +6951,7 @@
           <p:nvPr/>
         </p:nvPicPr>
         <p:blipFill>
-          <a:blip r:embed="rId3"/>
+          <a:blip r:embed="rId1"/>
           <a:stretch>
             <a:fillRect/>
           </a:stretch>
@@ -6992,7 +6975,7 @@
           <p:nvPr/>
         </p:nvPicPr>
         <p:blipFill>
-          <a:blip r:embed="rId4"/>
+          <a:blip r:embed="rId2"/>
           <a:stretch>
             <a:fillRect/>
           </a:stretch>
@@ -7012,11 +6995,11 @@
   <p:clrMapOvr>
     <a:masterClrMapping/>
   </p:clrMapOvr>
-  <mc:AlternateContent xmlns:mc="http://schemas.openxmlformats.org/markup-compatibility/2006" xmlns:p14="http://schemas.microsoft.com/office/powerpoint/2010/main">
-    <mc:Choice Requires="p14">
+  <mc:AlternateContent xmlns:mc="http://schemas.openxmlformats.org/markup-compatibility/2006">
+    <mc:Choice xmlns:p14="http://schemas.microsoft.com/office/powerpoint/2010/main" Requires="p14">
       <p:transition spd="slow" p14:dur="1600"/>
     </mc:Choice>
-    <mc:Fallback xmlns="">
+    <mc:Fallback>
       <p:transition spd="slow"/>
     </mc:Fallback>
   </mc:AlternateContent>
@@ -7067,6 +7050,10 @@
               </a:rPr>
               <a:t>论文分享</a:t>
             </a:r>
+            <a:endParaRPr lang="zh-CN" altLang="en-US" b="1" dirty="0">
+              <a:latin typeface="Times New Roman" panose="02020603050405020304" pitchFamily="18" charset="0"/>
+              <a:cs typeface="Times New Roman" panose="02020603050405020304" pitchFamily="18" charset="0"/>
+            </a:endParaRPr>
           </a:p>
         </p:txBody>
       </p:sp>
@@ -7096,6 +7083,7 @@
               <a:rPr lang="en-US" altLang="zh-CN" sz="2000"/>
               <a:t>2.1 Basic Frank-Wolfe algorithm:</a:t>
             </a:r>
+            <a:endParaRPr lang="en-US" altLang="zh-CN" sz="2000"/>
           </a:p>
         </p:txBody>
       </p:sp>
@@ -7108,7 +7096,7 @@
           <p:nvPr/>
         </p:nvPicPr>
         <p:blipFill>
-          <a:blip r:embed="rId3"/>
+          <a:blip r:embed="rId1"/>
           <a:stretch>
             <a:fillRect/>
           </a:stretch>
@@ -7128,11 +7116,11 @@
   <p:clrMapOvr>
     <a:masterClrMapping/>
   </p:clrMapOvr>
-  <mc:AlternateContent xmlns:mc="http://schemas.openxmlformats.org/markup-compatibility/2006" xmlns:p14="http://schemas.microsoft.com/office/powerpoint/2010/main">
-    <mc:Choice Requires="p14">
+  <mc:AlternateContent xmlns:mc="http://schemas.openxmlformats.org/markup-compatibility/2006">
+    <mc:Choice xmlns:p14="http://schemas.microsoft.com/office/powerpoint/2010/main" Requires="p14">
       <p:transition spd="slow" p14:dur="1600"/>
     </mc:Choice>
-    <mc:Fallback xmlns="">
+    <mc:Fallback>
       <p:transition spd="slow"/>
     </mc:Fallback>
   </mc:AlternateContent>
@@ -7183,6 +7171,10 @@
               </a:rPr>
               <a:t>论文分享</a:t>
             </a:r>
+            <a:endParaRPr lang="zh-CN" altLang="en-US" b="1" dirty="0">
+              <a:latin typeface="Times New Roman" panose="02020603050405020304" pitchFamily="18" charset="0"/>
+              <a:cs typeface="Times New Roman" panose="02020603050405020304" pitchFamily="18" charset="0"/>
+            </a:endParaRPr>
           </a:p>
         </p:txBody>
       </p:sp>
@@ -7212,12 +7204,61 @@
               <a:rPr lang="en-US" altLang="zh-CN" sz="2000"/>
               <a:t>2.1 Basic Frank-Wolfe algorithm:</a:t>
             </a:r>
+            <a:endParaRPr lang="en-US" altLang="zh-CN" sz="2000"/>
           </a:p>
         </p:txBody>
       </p:sp>
       <p:pic>
         <p:nvPicPr>
           <p:cNvPr id="2" name="图片 1"/>
+          <p:cNvPicPr>
+            <a:picLocks noChangeAspect="1"/>
+          </p:cNvPicPr>
+          <p:nvPr/>
+        </p:nvPicPr>
+        <p:blipFill>
+          <a:blip r:embed="rId1"/>
+          <a:stretch>
+            <a:fillRect/>
+          </a:stretch>
+        </p:blipFill>
+        <p:spPr>
+          <a:xfrm>
+            <a:off x="1981200" y="1905000"/>
+            <a:ext cx="6067425" cy="4067175"/>
+          </a:xfrm>
+          <a:prstGeom prst="rect">
+            <a:avLst/>
+          </a:prstGeom>
+        </p:spPr>
+      </p:pic>
+      <p:pic>
+        <p:nvPicPr>
+          <p:cNvPr id="3" name="图片 2"/>
+          <p:cNvPicPr>
+            <a:picLocks noChangeAspect="1"/>
+          </p:cNvPicPr>
+          <p:nvPr/>
+        </p:nvPicPr>
+        <p:blipFill>
+          <a:blip r:embed="rId2"/>
+          <a:stretch>
+            <a:fillRect/>
+          </a:stretch>
+        </p:blipFill>
+        <p:spPr>
+          <a:xfrm>
+            <a:off x="8458200" y="4495800"/>
+            <a:ext cx="3048000" cy="533400"/>
+          </a:xfrm>
+          <a:prstGeom prst="rect">
+            <a:avLst/>
+          </a:prstGeom>
+        </p:spPr>
+      </p:pic>
+      <p:pic>
+        <p:nvPicPr>
+          <p:cNvPr id="4" name="图片 3"/>
           <p:cNvPicPr>
             <a:picLocks noChangeAspect="1"/>
           </p:cNvPicPr>
@@ -7231,54 +7272,6 @@
         </p:blipFill>
         <p:spPr>
           <a:xfrm>
-            <a:off x="1981200" y="1905000"/>
-            <a:ext cx="6067425" cy="4067175"/>
-          </a:xfrm>
-          <a:prstGeom prst="rect">
-            <a:avLst/>
-          </a:prstGeom>
-        </p:spPr>
-      </p:pic>
-      <p:pic>
-        <p:nvPicPr>
-          <p:cNvPr id="3" name="图片 2"/>
-          <p:cNvPicPr>
-            <a:picLocks noChangeAspect="1"/>
-          </p:cNvPicPr>
-          <p:nvPr/>
-        </p:nvPicPr>
-        <p:blipFill>
-          <a:blip r:embed="rId4"/>
-          <a:stretch>
-            <a:fillRect/>
-          </a:stretch>
-        </p:blipFill>
-        <p:spPr>
-          <a:xfrm>
-            <a:off x="8458200" y="4495800"/>
-            <a:ext cx="3048000" cy="533400"/>
-          </a:xfrm>
-          <a:prstGeom prst="rect">
-            <a:avLst/>
-          </a:prstGeom>
-        </p:spPr>
-      </p:pic>
-      <p:pic>
-        <p:nvPicPr>
-          <p:cNvPr id="4" name="图片 3"/>
-          <p:cNvPicPr>
-            <a:picLocks noChangeAspect="1"/>
-          </p:cNvPicPr>
-          <p:nvPr/>
-        </p:nvPicPr>
-        <p:blipFill>
-          <a:blip r:embed="rId5"/>
-          <a:stretch>
-            <a:fillRect/>
-          </a:stretch>
-        </p:blipFill>
-        <p:spPr>
-          <a:xfrm>
             <a:off x="8686800" y="4114800"/>
             <a:ext cx="1905000" cy="247650"/>
           </a:xfrm>
@@ -7292,11 +7285,11 @@
   <p:clrMapOvr>
     <a:masterClrMapping/>
   </p:clrMapOvr>
-  <mc:AlternateContent xmlns:mc="http://schemas.openxmlformats.org/markup-compatibility/2006" xmlns:p14="http://schemas.microsoft.com/office/powerpoint/2010/main">
-    <mc:Choice Requires="p14">
+  <mc:AlternateContent xmlns:mc="http://schemas.openxmlformats.org/markup-compatibility/2006">
+    <mc:Choice xmlns:p14="http://schemas.microsoft.com/office/powerpoint/2010/main" Requires="p14">
       <p:transition spd="slow" p14:dur="1600"/>
     </mc:Choice>
-    <mc:Fallback xmlns="">
+    <mc:Fallback>
       <p:transition spd="slow"/>
     </mc:Fallback>
   </mc:AlternateContent>
@@ -7465,6 +7458,10 @@
               </a:rPr>
               <a:t>论文分享</a:t>
             </a:r>
+            <a:endParaRPr lang="zh-CN" altLang="en-US" b="1" dirty="0">
+              <a:latin typeface="Times New Roman" panose="02020603050405020304" pitchFamily="18" charset="0"/>
+              <a:cs typeface="Times New Roman" panose="02020603050405020304" pitchFamily="18" charset="0"/>
+            </a:endParaRPr>
           </a:p>
         </p:txBody>
       </p:sp>
@@ -7494,6 +7491,7 @@
               <a:rPr lang="en-US" altLang="zh-CN" sz="2000"/>
               <a:t>2.1 Basic Frank-Wolfe algorithm:</a:t>
             </a:r>
+            <a:endParaRPr lang="en-US" altLang="zh-CN" sz="2000"/>
           </a:p>
         </p:txBody>
       </p:sp>
@@ -7506,7 +7504,7 @@
           <p:nvPr/>
         </p:nvPicPr>
         <p:blipFill>
-          <a:blip r:embed="rId3"/>
+          <a:blip r:embed="rId1"/>
           <a:stretch>
             <a:fillRect/>
           </a:stretch>
@@ -7530,7 +7528,7 @@
           <p:nvPr/>
         </p:nvPicPr>
         <p:blipFill>
-          <a:blip r:embed="rId4"/>
+          <a:blip r:embed="rId2"/>
           <a:stretch>
             <a:fillRect/>
           </a:stretch>
@@ -7550,11 +7548,11 @@
   <p:clrMapOvr>
     <a:masterClrMapping/>
   </p:clrMapOvr>
-  <mc:AlternateContent xmlns:mc="http://schemas.openxmlformats.org/markup-compatibility/2006" xmlns:p14="http://schemas.microsoft.com/office/powerpoint/2010/main">
-    <mc:Choice Requires="p14">
+  <mc:AlternateContent xmlns:mc="http://schemas.openxmlformats.org/markup-compatibility/2006">
+    <mc:Choice xmlns:p14="http://schemas.microsoft.com/office/powerpoint/2010/main" Requires="p14">
       <p:transition spd="slow" p14:dur="1600"/>
     </mc:Choice>
-    <mc:Fallback xmlns="">
+    <mc:Fallback>
       <p:transition spd="slow"/>
     </mc:Fallback>
   </mc:AlternateContent>
@@ -7605,6 +7603,10 @@
               </a:rPr>
               <a:t>论文分享</a:t>
             </a:r>
+            <a:endParaRPr lang="zh-CN" altLang="en-US" b="1" dirty="0">
+              <a:latin typeface="Times New Roman" panose="02020603050405020304" pitchFamily="18" charset="0"/>
+              <a:cs typeface="Times New Roman" panose="02020603050405020304" pitchFamily="18" charset="0"/>
+            </a:endParaRPr>
           </a:p>
         </p:txBody>
       </p:sp>
@@ -7634,6 +7636,7 @@
               <a:rPr lang="en-US" altLang="zh-CN" sz="2000"/>
               <a:t>2.1 Basic Frank-Wolfe algorithm:</a:t>
             </a:r>
+            <a:endParaRPr lang="en-US" altLang="zh-CN" sz="2000"/>
           </a:p>
         </p:txBody>
       </p:sp>
@@ -7646,7 +7649,7 @@
           <p:nvPr/>
         </p:nvPicPr>
         <p:blipFill>
-          <a:blip r:embed="rId3"/>
+          <a:blip r:embed="rId1"/>
           <a:stretch>
             <a:fillRect/>
           </a:stretch>
@@ -7666,11 +7669,11 @@
   <p:clrMapOvr>
     <a:masterClrMapping/>
   </p:clrMapOvr>
-  <mc:AlternateContent xmlns:mc="http://schemas.openxmlformats.org/markup-compatibility/2006" xmlns:p14="http://schemas.microsoft.com/office/powerpoint/2010/main">
-    <mc:Choice Requires="p14">
+  <mc:AlternateContent xmlns:mc="http://schemas.openxmlformats.org/markup-compatibility/2006">
+    <mc:Choice xmlns:p14="http://schemas.microsoft.com/office/powerpoint/2010/main" Requires="p14">
       <p:transition spd="slow" p14:dur="1600"/>
     </mc:Choice>
-    <mc:Fallback xmlns="">
+    <mc:Fallback>
       <p:transition spd="slow"/>
     </mc:Fallback>
   </mc:AlternateContent>
@@ -7721,6 +7724,10 @@
               </a:rPr>
               <a:t>论文分享</a:t>
             </a:r>
+            <a:endParaRPr lang="zh-CN" altLang="en-US" b="1" dirty="0">
+              <a:latin typeface="Times New Roman" panose="02020603050405020304" pitchFamily="18" charset="0"/>
+              <a:cs typeface="Times New Roman" panose="02020603050405020304" pitchFamily="18" charset="0"/>
+            </a:endParaRPr>
           </a:p>
         </p:txBody>
       </p:sp>
@@ -7750,6 +7757,7 @@
               <a:rPr lang="en-US" altLang="zh-CN" sz="2000"/>
               <a:t>2.2 Stochastic Frank-Wolfe algorithm:</a:t>
             </a:r>
+            <a:endParaRPr lang="en-US" altLang="zh-CN" sz="2000"/>
           </a:p>
         </p:txBody>
       </p:sp>
@@ -7795,6 +7803,7 @@
               <a:rPr lang="zh-CN" altLang="en-US"/>
               <a:t>算法</a:t>
             </a:r>
+            <a:endParaRPr lang="zh-CN" altLang="en-US"/>
           </a:p>
         </p:txBody>
       </p:sp>
@@ -7803,11 +7812,11 @@
   <p:clrMapOvr>
     <a:masterClrMapping/>
   </p:clrMapOvr>
-  <mc:AlternateContent xmlns:mc="http://schemas.openxmlformats.org/markup-compatibility/2006" xmlns:p14="http://schemas.microsoft.com/office/powerpoint/2010/main">
-    <mc:Choice Requires="p14">
+  <mc:AlternateContent xmlns:mc="http://schemas.openxmlformats.org/markup-compatibility/2006">
+    <mc:Choice xmlns:p14="http://schemas.microsoft.com/office/powerpoint/2010/main" Requires="p14">
       <p:transition spd="slow" p14:dur="1600"/>
     </mc:Choice>
-    <mc:Fallback xmlns="">
+    <mc:Fallback>
       <p:transition spd="slow"/>
     </mc:Fallback>
   </mc:AlternateContent>
@@ -7893,6 +7902,7 @@
               <a:rPr lang="zh-CN" altLang="en-US" dirty="0"/>
               <a:t>建模单个神经元的分布</a:t>
             </a:r>
+            <a:endParaRPr lang="zh-CN" altLang="en-US" dirty="0"/>
           </a:p>
         </p:txBody>
       </p:sp>
@@ -7905,7 +7915,7 @@
           <p:nvPr/>
         </p:nvPicPr>
         <p:blipFill>
-          <a:blip r:embed="rId3"/>
+          <a:blip r:embed="rId1"/>
           <a:stretch>
             <a:fillRect/>
           </a:stretch>
@@ -7972,6 +7982,10 @@
               </a:rPr>
               <a:t>论文分享</a:t>
             </a:r>
+            <a:endParaRPr lang="zh-CN" altLang="en-US" b="1" dirty="0">
+              <a:latin typeface="Times New Roman" panose="02020603050405020304" pitchFamily="18" charset="0"/>
+              <a:cs typeface="Times New Roman" panose="02020603050405020304" pitchFamily="18" charset="0"/>
+            </a:endParaRPr>
           </a:p>
         </p:txBody>
       </p:sp>
@@ -8001,6 +8015,7 @@
               <a:rPr lang="en-US" altLang="zh-CN" sz="2000"/>
               <a:t>2.2 Stochastic Frank-Wolfe algorithm:</a:t>
             </a:r>
+            <a:endParaRPr lang="en-US" altLang="zh-CN" sz="2000"/>
           </a:p>
         </p:txBody>
       </p:sp>
@@ -8013,7 +8028,7 @@
           <p:nvPr/>
         </p:nvPicPr>
         <p:blipFill>
-          <a:blip r:embed="rId3"/>
+          <a:blip r:embed="rId1"/>
           <a:stretch>
             <a:fillRect/>
           </a:stretch>
@@ -8033,11 +8048,11 @@
   <p:clrMapOvr>
     <a:masterClrMapping/>
   </p:clrMapOvr>
-  <mc:AlternateContent xmlns:mc="http://schemas.openxmlformats.org/markup-compatibility/2006" xmlns:p14="http://schemas.microsoft.com/office/powerpoint/2010/main">
-    <mc:Choice Requires="p14">
+  <mc:AlternateContent xmlns:mc="http://schemas.openxmlformats.org/markup-compatibility/2006">
+    <mc:Choice xmlns:p14="http://schemas.microsoft.com/office/powerpoint/2010/main" Requires="p14">
       <p:transition spd="slow" p14:dur="1600"/>
     </mc:Choice>
-    <mc:Fallback xmlns="">
+    <mc:Fallback>
       <p:transition spd="slow"/>
     </mc:Fallback>
   </mc:AlternateContent>
@@ -8088,6 +8103,10 @@
               </a:rPr>
               <a:t>论文分享</a:t>
             </a:r>
+            <a:endParaRPr lang="zh-CN" altLang="en-US" b="1" dirty="0">
+              <a:latin typeface="Times New Roman" panose="02020603050405020304" pitchFamily="18" charset="0"/>
+              <a:cs typeface="Times New Roman" panose="02020603050405020304" pitchFamily="18" charset="0"/>
+            </a:endParaRPr>
           </a:p>
         </p:txBody>
       </p:sp>
@@ -8117,6 +8136,7 @@
               <a:rPr lang="en-US" altLang="zh-CN" sz="2000"/>
               <a:t>2.2 Stochastic Frank-Wolfe algorithm:</a:t>
             </a:r>
+            <a:endParaRPr lang="en-US" altLang="zh-CN" sz="2000"/>
           </a:p>
         </p:txBody>
       </p:sp>
@@ -8129,7 +8149,7 @@
           <p:nvPr/>
         </p:nvPicPr>
         <p:blipFill>
-          <a:blip r:embed="rId3"/>
+          <a:blip r:embed="rId1"/>
           <a:stretch>
             <a:fillRect/>
           </a:stretch>
@@ -8149,11 +8169,11 @@
   <p:clrMapOvr>
     <a:masterClrMapping/>
   </p:clrMapOvr>
-  <mc:AlternateContent xmlns:mc="http://schemas.openxmlformats.org/markup-compatibility/2006" xmlns:p14="http://schemas.microsoft.com/office/powerpoint/2010/main">
-    <mc:Choice Requires="p14">
+  <mc:AlternateContent xmlns:mc="http://schemas.openxmlformats.org/markup-compatibility/2006">
+    <mc:Choice xmlns:p14="http://schemas.microsoft.com/office/powerpoint/2010/main" Requires="p14">
       <p:transition spd="slow" p14:dur="1600"/>
     </mc:Choice>
-    <mc:Fallback xmlns="">
+    <mc:Fallback>
       <p:transition spd="slow"/>
     </mc:Fallback>
   </mc:AlternateContent>
@@ -8204,6 +8224,10 @@
               </a:rPr>
               <a:t>论文分享</a:t>
             </a:r>
+            <a:endParaRPr lang="zh-CN" altLang="en-US" b="1" dirty="0">
+              <a:latin typeface="Times New Roman" panose="02020603050405020304" pitchFamily="18" charset="0"/>
+              <a:cs typeface="Times New Roman" panose="02020603050405020304" pitchFamily="18" charset="0"/>
+            </a:endParaRPr>
           </a:p>
         </p:txBody>
       </p:sp>
@@ -8233,6 +8257,7 @@
               <a:rPr lang="en-US" altLang="zh-CN" sz="2000"/>
               <a:t>2.2 Stochastic Frank-Wolfe algorithm:</a:t>
             </a:r>
+            <a:endParaRPr lang="en-US" altLang="zh-CN" sz="2000"/>
           </a:p>
         </p:txBody>
       </p:sp>
@@ -8267,6 +8292,7 @@
               <a:rPr lang="zh-CN" altLang="en-US"/>
               <a:t>A speed-up of the SFW algorithm</a:t>
             </a:r>
+            <a:endParaRPr lang="zh-CN" altLang="en-US"/>
           </a:p>
         </p:txBody>
       </p:sp>
@@ -8305,6 +8331,7 @@
               <a:rPr lang="zh-CN" altLang="en-US"/>
               <a:t>Stopping time strategy.</a:t>
             </a:r>
+            <a:endParaRPr lang="zh-CN" altLang="en-US"/>
           </a:p>
         </p:txBody>
       </p:sp>
@@ -8334,6 +8361,7 @@
               <a:rPr lang="zh-CN" altLang="en-US"/>
               <a:t>simulating the Bernoulli random variables before Step 1</a:t>
             </a:r>
+            <a:endParaRPr lang="zh-CN" altLang="en-US"/>
           </a:p>
         </p:txBody>
       </p:sp>
@@ -8346,7 +8374,7 @@
           <p:nvPr/>
         </p:nvPicPr>
         <p:blipFill>
-          <a:blip r:embed="rId3"/>
+          <a:blip r:embed="rId1"/>
           <a:stretch>
             <a:fillRect/>
           </a:stretch>
@@ -8366,11 +8394,11 @@
   <p:clrMapOvr>
     <a:masterClrMapping/>
   </p:clrMapOvr>
-  <mc:AlternateContent xmlns:mc="http://schemas.openxmlformats.org/markup-compatibility/2006" xmlns:p14="http://schemas.microsoft.com/office/powerpoint/2010/main">
-    <mc:Choice Requires="p14">
+  <mc:AlternateContent xmlns:mc="http://schemas.openxmlformats.org/markup-compatibility/2006">
+    <mc:Choice xmlns:p14="http://schemas.microsoft.com/office/powerpoint/2010/main" Requires="p14">
       <p:transition spd="slow" p14:dur="1600"/>
     </mc:Choice>
-    <mc:Fallback xmlns="">
+    <mc:Fallback>
       <p:transition spd="slow"/>
     </mc:Fallback>
   </mc:AlternateContent>
@@ -8561,6 +8589,10 @@
               </a:rPr>
               <a:t>论文分享</a:t>
             </a:r>
+            <a:endParaRPr lang="zh-CN" altLang="en-US" b="1" dirty="0">
+              <a:latin typeface="Times New Roman" panose="02020603050405020304" pitchFamily="18" charset="0"/>
+              <a:cs typeface="Times New Roman" panose="02020603050405020304" pitchFamily="18" charset="0"/>
+            </a:endParaRPr>
           </a:p>
         </p:txBody>
       </p:sp>
@@ -8590,6 +8622,7 @@
               <a:rPr lang="en-US" altLang="zh-CN" sz="2000"/>
               <a:t>3. Selection method:</a:t>
             </a:r>
+            <a:endParaRPr lang="en-US" altLang="zh-CN" sz="2000"/>
           </a:p>
         </p:txBody>
       </p:sp>
@@ -8602,7 +8635,7 @@
           <p:nvPr/>
         </p:nvPicPr>
         <p:blipFill>
-          <a:blip r:embed="rId3"/>
+          <a:blip r:embed="rId1"/>
           <a:stretch>
             <a:fillRect/>
           </a:stretch>
@@ -8626,7 +8659,7 @@
           <p:nvPr/>
         </p:nvPicPr>
         <p:blipFill>
-          <a:blip r:embed="rId4"/>
+          <a:blip r:embed="rId2"/>
           <a:stretch>
             <a:fillRect/>
           </a:stretch>
@@ -8646,11 +8679,11 @@
   <p:clrMapOvr>
     <a:masterClrMapping/>
   </p:clrMapOvr>
-  <mc:AlternateContent xmlns:mc="http://schemas.openxmlformats.org/markup-compatibility/2006" xmlns:p14="http://schemas.microsoft.com/office/powerpoint/2010/main">
-    <mc:Choice Requires="p14">
+  <mc:AlternateContent xmlns:mc="http://schemas.openxmlformats.org/markup-compatibility/2006">
+    <mc:Choice xmlns:p14="http://schemas.microsoft.com/office/powerpoint/2010/main" Requires="p14">
       <p:transition spd="slow" p14:dur="1600"/>
     </mc:Choice>
-    <mc:Fallback xmlns="">
+    <mc:Fallback>
       <p:transition spd="slow"/>
     </mc:Fallback>
   </mc:AlternateContent>
@@ -8701,6 +8734,10 @@
               </a:rPr>
               <a:t>论文分享</a:t>
             </a:r>
+            <a:endParaRPr lang="zh-CN" altLang="en-US" b="1" dirty="0">
+              <a:latin typeface="Times New Roman" panose="02020603050405020304" pitchFamily="18" charset="0"/>
+              <a:cs typeface="Times New Roman" panose="02020603050405020304" pitchFamily="18" charset="0"/>
+            </a:endParaRPr>
           </a:p>
         </p:txBody>
       </p:sp>
@@ -8730,6 +8767,7 @@
               <a:rPr lang="en-US" altLang="zh-CN" sz="2000"/>
               <a:t>4. Experiments:</a:t>
             </a:r>
+            <a:endParaRPr lang="en-US" altLang="zh-CN" sz="2000"/>
           </a:p>
         </p:txBody>
       </p:sp>
@@ -8742,7 +8780,7 @@
           <p:nvPr/>
         </p:nvPicPr>
         <p:blipFill>
-          <a:blip r:embed="rId3"/>
+          <a:blip r:embed="rId1"/>
           <a:stretch>
             <a:fillRect/>
           </a:stretch>
@@ -8762,11 +8800,11 @@
   <p:clrMapOvr>
     <a:masterClrMapping/>
   </p:clrMapOvr>
-  <mc:AlternateContent xmlns:mc="http://schemas.openxmlformats.org/markup-compatibility/2006" xmlns:p14="http://schemas.microsoft.com/office/powerpoint/2010/main">
-    <mc:Choice Requires="p14">
+  <mc:AlternateContent xmlns:mc="http://schemas.openxmlformats.org/markup-compatibility/2006">
+    <mc:Choice xmlns:p14="http://schemas.microsoft.com/office/powerpoint/2010/main" Requires="p14">
       <p:transition spd="slow" p14:dur="1600"/>
     </mc:Choice>
-    <mc:Fallback xmlns="">
+    <mc:Fallback>
       <p:transition spd="slow"/>
     </mc:Fallback>
   </mc:AlternateContent>
@@ -8817,6 +8855,10 @@
               </a:rPr>
               <a:t>论文分享</a:t>
             </a:r>
+            <a:endParaRPr lang="zh-CN" altLang="en-US" b="1" dirty="0">
+              <a:latin typeface="Times New Roman" panose="02020603050405020304" pitchFamily="18" charset="0"/>
+              <a:cs typeface="Times New Roman" panose="02020603050405020304" pitchFamily="18" charset="0"/>
+            </a:endParaRPr>
           </a:p>
         </p:txBody>
       </p:sp>
@@ -8846,6 +8888,7 @@
               <a:rPr lang="en-US" altLang="zh-CN" sz="2000"/>
               <a:t>4. Experiments:</a:t>
             </a:r>
+            <a:endParaRPr lang="en-US" altLang="zh-CN" sz="2000"/>
           </a:p>
         </p:txBody>
       </p:sp>
@@ -8858,7 +8901,7 @@
           <p:nvPr/>
         </p:nvPicPr>
         <p:blipFill>
-          <a:blip r:embed="rId3"/>
+          <a:blip r:embed="rId1"/>
           <a:stretch>
             <a:fillRect/>
           </a:stretch>
@@ -8945,6 +8988,7 @@
               <a:rPr lang="zh-CN" altLang="en-US"/>
               <a:t>慢</a:t>
             </a:r>
+            <a:endParaRPr lang="zh-CN" altLang="en-US"/>
           </a:p>
         </p:txBody>
       </p:sp>
@@ -8953,11 +8997,11 @@
   <p:clrMapOvr>
     <a:masterClrMapping/>
   </p:clrMapOvr>
-  <mc:AlternateContent xmlns:mc="http://schemas.openxmlformats.org/markup-compatibility/2006" xmlns:p14="http://schemas.microsoft.com/office/powerpoint/2010/main">
-    <mc:Choice Requires="p14">
+  <mc:AlternateContent xmlns:mc="http://schemas.openxmlformats.org/markup-compatibility/2006">
+    <mc:Choice xmlns:p14="http://schemas.microsoft.com/office/powerpoint/2010/main" Requires="p14">
       <p:transition spd="slow" p14:dur="1600"/>
     </mc:Choice>
-    <mc:Fallback xmlns="">
+    <mc:Fallback>
       <p:transition spd="slow"/>
     </mc:Fallback>
   </mc:AlternateContent>
@@ -9150,6 +9194,10 @@
               </a:rPr>
               <a:t>实验进展</a:t>
             </a:r>
+            <a:endParaRPr lang="zh-CN" altLang="en-US" b="1" dirty="0">
+              <a:latin typeface="Times New Roman" panose="02020603050405020304" pitchFamily="18" charset="0"/>
+              <a:cs typeface="Times New Roman" panose="02020603050405020304" pitchFamily="18" charset="0"/>
+            </a:endParaRPr>
           </a:p>
         </p:txBody>
       </p:sp>
@@ -9183,6 +9231,7 @@
               <a:rPr lang="en-US" altLang="zh-CN" sz="2000"/>
               <a:t>:</a:t>
             </a:r>
+            <a:endParaRPr lang="en-US" altLang="zh-CN" sz="2000"/>
           </a:p>
         </p:txBody>
       </p:sp>
@@ -9195,7 +9244,7 @@
           <p:nvPr/>
         </p:nvPicPr>
         <p:blipFill>
-          <a:blip r:embed="rId3"/>
+          <a:blip r:embed="rId1"/>
           <a:stretch>
             <a:fillRect/>
           </a:stretch>
@@ -9215,11 +9264,11 @@
   <p:clrMapOvr>
     <a:masterClrMapping/>
   </p:clrMapOvr>
-  <mc:AlternateContent xmlns:mc="http://schemas.openxmlformats.org/markup-compatibility/2006" xmlns:p14="http://schemas.microsoft.com/office/powerpoint/2010/main">
-    <mc:Choice Requires="p14">
+  <mc:AlternateContent xmlns:mc="http://schemas.openxmlformats.org/markup-compatibility/2006">
+    <mc:Choice xmlns:p14="http://schemas.microsoft.com/office/powerpoint/2010/main" Requires="p14">
       <p:transition spd="slow" p14:dur="1600"/>
     </mc:Choice>
-    <mc:Fallback xmlns="">
+    <mc:Fallback>
       <p:transition spd="slow"/>
     </mc:Fallback>
   </mc:AlternateContent>
@@ -9270,6 +9319,10 @@
               </a:rPr>
               <a:t>实验进展</a:t>
             </a:r>
+            <a:endParaRPr lang="zh-CN" altLang="en-US" b="1" dirty="0">
+              <a:latin typeface="Times New Roman" panose="02020603050405020304" pitchFamily="18" charset="0"/>
+              <a:cs typeface="Times New Roman" panose="02020603050405020304" pitchFamily="18" charset="0"/>
+            </a:endParaRPr>
           </a:p>
         </p:txBody>
       </p:sp>
@@ -9303,6 +9356,7 @@
               <a:rPr lang="en-US" altLang="zh-CN" sz="2000"/>
               <a:t>:</a:t>
             </a:r>
+            <a:endParaRPr lang="en-US" altLang="zh-CN" sz="2000"/>
           </a:p>
         </p:txBody>
       </p:sp>
@@ -9340,6 +9394,7 @@
               <a:rPr lang="zh-CN" altLang="en-US" sz="1600"/>
               <a:t>权重更新</a:t>
             </a:r>
+            <a:endParaRPr lang="zh-CN" altLang="en-US" sz="1600"/>
           </a:p>
           <a:p>
             <a:pPr marL="285750" indent="-285750">
@@ -9354,6 +9409,7 @@
               <a:rPr lang="zh-CN" altLang="en-US" sz="1600"/>
               <a:t>带宽太大</a:t>
             </a:r>
+            <a:endParaRPr lang="zh-CN" altLang="en-US" sz="1600"/>
           </a:p>
         </p:txBody>
       </p:sp>
@@ -9362,11 +9418,11 @@
   <p:clrMapOvr>
     <a:masterClrMapping/>
   </p:clrMapOvr>
-  <mc:AlternateContent xmlns:mc="http://schemas.openxmlformats.org/markup-compatibility/2006" xmlns:p14="http://schemas.microsoft.com/office/powerpoint/2010/main">
-    <mc:Choice Requires="p14">
+  <mc:AlternateContent xmlns:mc="http://schemas.openxmlformats.org/markup-compatibility/2006">
+    <mc:Choice xmlns:p14="http://schemas.microsoft.com/office/powerpoint/2010/main" Requires="p14">
       <p:transition spd="slow" p14:dur="1600"/>
     </mc:Choice>
-    <mc:Fallback xmlns="">
+    <mc:Fallback>
       <p:transition spd="slow"/>
     </mc:Fallback>
   </mc:AlternateContent>
@@ -9417,6 +9473,10 @@
               </a:rPr>
               <a:t>论文调研</a:t>
             </a:r>
+            <a:endParaRPr lang="zh-CN" altLang="en-US" b="1" dirty="0">
+              <a:latin typeface="Times New Roman" panose="02020603050405020304" pitchFamily="18" charset="0"/>
+              <a:cs typeface="Times New Roman" panose="02020603050405020304" pitchFamily="18" charset="0"/>
+            </a:endParaRPr>
           </a:p>
         </p:txBody>
       </p:sp>
@@ -9571,6 +9631,7 @@
               <a:rPr lang="en-US" altLang="zh-CN" dirty="0"/>
               <a:t>nonconvex optimization: NP-hard problem </a:t>
             </a:r>
+            <a:endParaRPr lang="en-US" altLang="zh-CN" dirty="0"/>
           </a:p>
         </p:txBody>
       </p:sp>
@@ -9620,6 +9681,7 @@
               <a:rPr lang="zh-CN" altLang="en-US"/>
               <a:t>succeed, but non-convex optimization algorithms do too. </a:t>
             </a:r>
+            <a:endParaRPr lang="zh-CN" altLang="en-US"/>
           </a:p>
         </p:txBody>
       </p:sp>
@@ -9628,11 +9690,11 @@
   <p:clrMapOvr>
     <a:masterClrMapping/>
   </p:clrMapOvr>
-  <mc:AlternateContent xmlns:mc="http://schemas.openxmlformats.org/markup-compatibility/2006" xmlns:p14="http://schemas.microsoft.com/office/powerpoint/2010/main">
-    <mc:Choice Requires="p14">
+  <mc:AlternateContent xmlns:mc="http://schemas.openxmlformats.org/markup-compatibility/2006">
+    <mc:Choice xmlns:p14="http://schemas.microsoft.com/office/powerpoint/2010/main" Requires="p14">
       <p:transition spd="slow" p14:dur="1600"/>
     </mc:Choice>
-    <mc:Fallback xmlns="">
+    <mc:Fallback>
       <p:transition spd="slow"/>
     </mc:Fallback>
   </mc:AlternateContent>
@@ -9683,6 +9745,10 @@
               </a:rPr>
               <a:t>论文调研</a:t>
             </a:r>
+            <a:endParaRPr lang="zh-CN" altLang="en-US" b="1" dirty="0">
+              <a:latin typeface="Times New Roman" panose="02020603050405020304" pitchFamily="18" charset="0"/>
+              <a:cs typeface="Times New Roman" panose="02020603050405020304" pitchFamily="18" charset="0"/>
+            </a:endParaRPr>
           </a:p>
         </p:txBody>
       </p:sp>
@@ -9695,7 +9761,7 @@
           <p:nvPr/>
         </p:nvPicPr>
         <p:blipFill>
-          <a:blip r:embed="rId3"/>
+          <a:blip r:embed="rId1"/>
           <a:stretch>
             <a:fillRect/>
           </a:stretch>
@@ -9736,6 +9802,7 @@
               <a:rPr lang="zh-CN" altLang="en-US"/>
               <a:t>Mathematical Tools</a:t>
             </a:r>
+            <a:endParaRPr lang="zh-CN" altLang="en-US"/>
           </a:p>
         </p:txBody>
       </p:sp>
@@ -9744,11 +9811,11 @@
   <p:clrMapOvr>
     <a:masterClrMapping/>
   </p:clrMapOvr>
-  <mc:AlternateContent xmlns:mc="http://schemas.openxmlformats.org/markup-compatibility/2006" xmlns:p14="http://schemas.microsoft.com/office/powerpoint/2010/main">
-    <mc:Choice Requires="p14">
+  <mc:AlternateContent xmlns:mc="http://schemas.openxmlformats.org/markup-compatibility/2006">
+    <mc:Choice xmlns:p14="http://schemas.microsoft.com/office/powerpoint/2010/main" Requires="p14">
       <p:transition spd="slow" p14:dur="1600"/>
     </mc:Choice>
-    <mc:Fallback xmlns="">
+    <mc:Fallback>
       <p:transition spd="slow"/>
     </mc:Fallback>
   </mc:AlternateContent>
@@ -9794,6 +9861,10 @@
               </a:rPr>
               <a:t>Method</a:t>
             </a:r>
+            <a:endParaRPr lang="en-US" altLang="en-GB" b="1" dirty="0">
+              <a:latin typeface="Times New Roman" panose="02020603050405020304" pitchFamily="18" charset="0"/>
+              <a:cs typeface="Times New Roman" panose="02020603050405020304" pitchFamily="18" charset="0"/>
+            </a:endParaRPr>
           </a:p>
         </p:txBody>
       </p:sp>
@@ -9829,12 +9900,220 @@
               <a:rPr lang="zh-CN" altLang="en-US" dirty="0"/>
               <a:t>建模</a:t>
             </a:r>
+            <a:endParaRPr lang="zh-CN" altLang="en-US" dirty="0"/>
           </a:p>
         </p:txBody>
       </p:sp>
       <p:pic>
         <p:nvPicPr>
           <p:cNvPr id="14" name="图片 13" descr="kde"/>
+          <p:cNvPicPr>
+            <a:picLocks noChangeAspect="1"/>
+          </p:cNvPicPr>
+          <p:nvPr/>
+        </p:nvPicPr>
+        <p:blipFill>
+          <a:blip r:embed="rId1"/>
+          <a:stretch>
+            <a:fillRect/>
+          </a:stretch>
+        </p:blipFill>
+        <p:spPr>
+          <a:xfrm>
+            <a:off x="1295400" y="1790700"/>
+            <a:ext cx="2790190" cy="752475"/>
+          </a:xfrm>
+          <a:prstGeom prst="rect">
+            <a:avLst/>
+          </a:prstGeom>
+        </p:spPr>
+      </p:pic>
+      <p:pic>
+        <p:nvPicPr>
+          <p:cNvPr id="15" name="图片 14" descr="kde2"/>
+          <p:cNvPicPr>
+            <a:picLocks noChangeAspect="1"/>
+          </p:cNvPicPr>
+          <p:nvPr/>
+        </p:nvPicPr>
+        <p:blipFill>
+          <a:blip r:embed="rId2"/>
+          <a:stretch>
+            <a:fillRect/>
+          </a:stretch>
+        </p:blipFill>
+        <p:spPr>
+          <a:xfrm>
+            <a:off x="4800600" y="1828800"/>
+            <a:ext cx="2876550" cy="676275"/>
+          </a:xfrm>
+          <a:prstGeom prst="rect">
+            <a:avLst/>
+          </a:prstGeom>
+        </p:spPr>
+      </p:pic>
+      <p:sp>
+        <p:nvSpPr>
+          <p:cNvPr id="17" name="右箭头 16"/>
+          <p:cNvSpPr/>
+          <p:nvPr/>
+        </p:nvSpPr>
+        <p:spPr>
+          <a:xfrm>
+            <a:off x="5257800" y="2590800"/>
+            <a:ext cx="2286000" cy="1981200"/>
+          </a:xfrm>
+          <a:prstGeom prst="rightArrow">
+            <a:avLst/>
+          </a:prstGeom>
+        </p:spPr>
+        <p:txBody>
+          <a:bodyPr wrap="none">
+            <a:spAutoFit/>
+          </a:bodyPr>
+          <a:lstStyle/>
+          <a:p>
+            <a:endParaRPr lang="zh-CN" altLang="en-US" sz="2400" dirty="0"/>
+          </a:p>
+        </p:txBody>
+      </p:sp>
+      <p:sp>
+        <p:nvSpPr>
+          <p:cNvPr id="18" name="椭圆形标注 17"/>
+          <p:cNvSpPr/>
+          <p:nvPr/>
+        </p:nvSpPr>
+        <p:spPr>
+          <a:xfrm>
+            <a:off x="7924800" y="2209800"/>
+            <a:ext cx="1524000" cy="2209800"/>
+          </a:xfrm>
+          <a:prstGeom prst="wedgeEllipseCallout">
+            <a:avLst/>
+          </a:prstGeom>
+        </p:spPr>
+        <p:txBody>
+          <a:bodyPr wrap="none">
+            <a:spAutoFit/>
+          </a:bodyPr>
+          <a:lstStyle/>
+          <a:p>
+            <a:endParaRPr lang="zh-CN" altLang="en-US" sz="2400" dirty="0"/>
+          </a:p>
+        </p:txBody>
+      </p:sp>
+      <p:sp>
+        <p:nvSpPr>
+          <p:cNvPr id="20" name="动作按钮: 帮助 19"/>
+          <p:cNvSpPr/>
+          <p:nvPr/>
+        </p:nvSpPr>
+        <p:spPr>
+          <a:xfrm>
+            <a:off x="7620000" y="3375660"/>
+            <a:ext cx="1043940" cy="1043940"/>
+          </a:xfrm>
+          <a:prstGeom prst="actionButtonHelp">
+            <a:avLst/>
+          </a:prstGeom>
+        </p:spPr>
+        <p:txBody>
+          <a:bodyPr wrap="none">
+            <a:spAutoFit/>
+          </a:bodyPr>
+          <a:lstStyle/>
+          <a:p>
+            <a:endParaRPr lang="zh-CN" altLang="en-US" sz="2400" dirty="0"/>
+          </a:p>
+        </p:txBody>
+      </p:sp>
+      <p:sp>
+        <p:nvSpPr>
+          <p:cNvPr id="21" name="圆角矩形标注 20"/>
+          <p:cNvSpPr/>
+          <p:nvPr/>
+        </p:nvSpPr>
+        <p:spPr>
+          <a:xfrm>
+            <a:off x="2895600" y="2590800"/>
+            <a:ext cx="5867400" cy="1143000"/>
+          </a:xfrm>
+          <a:prstGeom prst="wedgeRoundRectCallout">
+            <a:avLst/>
+          </a:prstGeom>
+        </p:spPr>
+        <p:txBody>
+          <a:bodyPr wrap="none">
+            <a:spAutoFit/>
+          </a:bodyPr>
+          <a:lstStyle/>
+          <a:p>
+            <a:endParaRPr lang="zh-CN" altLang="en-US" sz="2400" dirty="0"/>
+          </a:p>
+        </p:txBody>
+      </p:sp>
+      <p:sp>
+        <p:nvSpPr>
+          <p:cNvPr id="22" name="文本框 21"/>
+          <p:cNvSpPr txBox="1"/>
+          <p:nvPr/>
+        </p:nvSpPr>
+        <p:spPr>
+          <a:xfrm>
+            <a:off x="914400" y="5562600"/>
+            <a:ext cx="4712335" cy="368300"/>
+          </a:xfrm>
+          <a:prstGeom prst="rect">
+            <a:avLst/>
+          </a:prstGeom>
+          <a:noFill/>
+        </p:spPr>
+        <p:txBody>
+          <a:bodyPr wrap="square" rtlCol="0">
+            <a:spAutoFit/>
+          </a:bodyPr>
+          <a:lstStyle/>
+          <a:p>
+            <a:r>
+              <a:rPr lang="en-US" altLang="zh-CN"/>
+              <a:t>2. </a:t>
+            </a:r>
+            <a:r>
+              <a:rPr lang="zh-CN" altLang="en-US"/>
+              <a:t>神经元数量太多，存储和计算困难</a:t>
+            </a:r>
+            <a:endParaRPr lang="zh-CN" altLang="en-US"/>
+          </a:p>
+        </p:txBody>
+      </p:sp>
+      <p:sp>
+        <p:nvSpPr>
+          <p:cNvPr id="23" name="圆角矩形标注 22"/>
+          <p:cNvSpPr/>
+          <p:nvPr/>
+        </p:nvSpPr>
+        <p:spPr>
+          <a:xfrm>
+            <a:off x="4876800" y="2667000"/>
+            <a:ext cx="2667000" cy="533400"/>
+          </a:xfrm>
+          <a:prstGeom prst="wedgeRoundRectCallout">
+            <a:avLst/>
+          </a:prstGeom>
+        </p:spPr>
+        <p:txBody>
+          <a:bodyPr wrap="none">
+            <a:spAutoFit/>
+          </a:bodyPr>
+          <a:lstStyle/>
+          <a:p>
+            <a:endParaRPr lang="zh-CN" altLang="en-US" sz="2400" dirty="0"/>
+          </a:p>
+        </p:txBody>
+      </p:sp>
+      <p:pic>
+        <p:nvPicPr>
+          <p:cNvPr id="28" name="图片 27" descr="kde3"/>
           <p:cNvPicPr>
             <a:picLocks noChangeAspect="1"/>
           </p:cNvPicPr>
@@ -9848,212 +10127,6 @@
         </p:blipFill>
         <p:spPr>
           <a:xfrm>
-            <a:off x="1295400" y="1790700"/>
-            <a:ext cx="2790190" cy="752475"/>
-          </a:xfrm>
-          <a:prstGeom prst="rect">
-            <a:avLst/>
-          </a:prstGeom>
-        </p:spPr>
-      </p:pic>
-      <p:pic>
-        <p:nvPicPr>
-          <p:cNvPr id="15" name="图片 14" descr="kde2"/>
-          <p:cNvPicPr>
-            <a:picLocks noChangeAspect="1"/>
-          </p:cNvPicPr>
-          <p:nvPr/>
-        </p:nvPicPr>
-        <p:blipFill>
-          <a:blip r:embed="rId4"/>
-          <a:stretch>
-            <a:fillRect/>
-          </a:stretch>
-        </p:blipFill>
-        <p:spPr>
-          <a:xfrm>
-            <a:off x="4800600" y="1828800"/>
-            <a:ext cx="2876550" cy="676275"/>
-          </a:xfrm>
-          <a:prstGeom prst="rect">
-            <a:avLst/>
-          </a:prstGeom>
-        </p:spPr>
-      </p:pic>
-      <p:sp>
-        <p:nvSpPr>
-          <p:cNvPr id="17" name="右箭头 16"/>
-          <p:cNvSpPr/>
-          <p:nvPr/>
-        </p:nvSpPr>
-        <p:spPr>
-          <a:xfrm>
-            <a:off x="5257800" y="2590800"/>
-            <a:ext cx="2286000" cy="1981200"/>
-          </a:xfrm>
-          <a:prstGeom prst="rightArrow">
-            <a:avLst/>
-          </a:prstGeom>
-        </p:spPr>
-        <p:txBody>
-          <a:bodyPr wrap="none">
-            <a:spAutoFit/>
-          </a:bodyPr>
-          <a:lstStyle/>
-          <a:p>
-            <a:endParaRPr lang="zh-CN" altLang="en-US" sz="2400" dirty="0"/>
-          </a:p>
-        </p:txBody>
-      </p:sp>
-      <p:sp>
-        <p:nvSpPr>
-          <p:cNvPr id="18" name="椭圆形标注 17"/>
-          <p:cNvSpPr/>
-          <p:nvPr/>
-        </p:nvSpPr>
-        <p:spPr>
-          <a:xfrm>
-            <a:off x="7924800" y="2209800"/>
-            <a:ext cx="1524000" cy="2209800"/>
-          </a:xfrm>
-          <a:prstGeom prst="wedgeEllipseCallout">
-            <a:avLst/>
-          </a:prstGeom>
-        </p:spPr>
-        <p:txBody>
-          <a:bodyPr wrap="none">
-            <a:spAutoFit/>
-          </a:bodyPr>
-          <a:lstStyle/>
-          <a:p>
-            <a:endParaRPr lang="zh-CN" altLang="en-US" sz="2400" dirty="0"/>
-          </a:p>
-        </p:txBody>
-      </p:sp>
-      <p:sp>
-        <p:nvSpPr>
-          <p:cNvPr id="20" name="动作按钮: 帮助 19"/>
-          <p:cNvSpPr/>
-          <p:nvPr/>
-        </p:nvSpPr>
-        <p:spPr>
-          <a:xfrm>
-            <a:off x="7620000" y="3375660"/>
-            <a:ext cx="1043940" cy="1043940"/>
-          </a:xfrm>
-          <a:prstGeom prst="actionButtonHelp">
-            <a:avLst/>
-          </a:prstGeom>
-        </p:spPr>
-        <p:txBody>
-          <a:bodyPr wrap="none">
-            <a:spAutoFit/>
-          </a:bodyPr>
-          <a:lstStyle/>
-          <a:p>
-            <a:endParaRPr lang="zh-CN" altLang="en-US" sz="2400" dirty="0"/>
-          </a:p>
-        </p:txBody>
-      </p:sp>
-      <p:sp>
-        <p:nvSpPr>
-          <p:cNvPr id="21" name="圆角矩形标注 20"/>
-          <p:cNvSpPr/>
-          <p:nvPr/>
-        </p:nvSpPr>
-        <p:spPr>
-          <a:xfrm>
-            <a:off x="2895600" y="2590800"/>
-            <a:ext cx="5867400" cy="1143000"/>
-          </a:xfrm>
-          <a:prstGeom prst="wedgeRoundRectCallout">
-            <a:avLst/>
-          </a:prstGeom>
-        </p:spPr>
-        <p:txBody>
-          <a:bodyPr wrap="none">
-            <a:spAutoFit/>
-          </a:bodyPr>
-          <a:lstStyle/>
-          <a:p>
-            <a:endParaRPr lang="zh-CN" altLang="en-US" sz="2400" dirty="0"/>
-          </a:p>
-        </p:txBody>
-      </p:sp>
-      <p:sp>
-        <p:nvSpPr>
-          <p:cNvPr id="22" name="文本框 21"/>
-          <p:cNvSpPr txBox="1"/>
-          <p:nvPr/>
-        </p:nvSpPr>
-        <p:spPr>
-          <a:xfrm>
-            <a:off x="914400" y="5562600"/>
-            <a:ext cx="4712335" cy="368300"/>
-          </a:xfrm>
-          <a:prstGeom prst="rect">
-            <a:avLst/>
-          </a:prstGeom>
-          <a:noFill/>
-        </p:spPr>
-        <p:txBody>
-          <a:bodyPr wrap="square" rtlCol="0">
-            <a:spAutoFit/>
-          </a:bodyPr>
-          <a:lstStyle/>
-          <a:p>
-            <a:r>
-              <a:rPr lang="en-US" altLang="zh-CN"/>
-              <a:t>2. </a:t>
-            </a:r>
-            <a:r>
-              <a:rPr lang="zh-CN" altLang="en-US"/>
-              <a:t>神经元数量太多，存储和计算困难</a:t>
-            </a:r>
-          </a:p>
-        </p:txBody>
-      </p:sp>
-      <p:sp>
-        <p:nvSpPr>
-          <p:cNvPr id="23" name="圆角矩形标注 22"/>
-          <p:cNvSpPr/>
-          <p:nvPr/>
-        </p:nvSpPr>
-        <p:spPr>
-          <a:xfrm>
-            <a:off x="4876800" y="2667000"/>
-            <a:ext cx="2667000" cy="533400"/>
-          </a:xfrm>
-          <a:prstGeom prst="wedgeRoundRectCallout">
-            <a:avLst/>
-          </a:prstGeom>
-        </p:spPr>
-        <p:txBody>
-          <a:bodyPr wrap="none">
-            <a:spAutoFit/>
-          </a:bodyPr>
-          <a:lstStyle/>
-          <a:p>
-            <a:endParaRPr lang="zh-CN" altLang="en-US" sz="2400" dirty="0"/>
-          </a:p>
-        </p:txBody>
-      </p:sp>
-      <p:pic>
-        <p:nvPicPr>
-          <p:cNvPr id="28" name="图片 27" descr="kde3"/>
-          <p:cNvPicPr>
-            <a:picLocks noChangeAspect="1"/>
-          </p:cNvPicPr>
-          <p:nvPr/>
-        </p:nvPicPr>
-        <p:blipFill>
-          <a:blip r:embed="rId5"/>
-          <a:stretch>
-            <a:fillRect/>
-          </a:stretch>
-        </p:blipFill>
-        <p:spPr>
-          <a:xfrm>
             <a:off x="2667000" y="2895600"/>
             <a:ext cx="3589655" cy="1795145"/>
           </a:xfrm>
@@ -10071,7 +10144,7 @@
           <p:nvPr/>
         </p:nvPicPr>
         <p:blipFill>
-          <a:blip r:embed="rId6"/>
+          <a:blip r:embed="rId4"/>
           <a:stretch>
             <a:fillRect/>
           </a:stretch>
@@ -10282,6 +10355,10 @@
               </a:rPr>
               <a:t>论文调研</a:t>
             </a:r>
+            <a:endParaRPr lang="zh-CN" altLang="en-US" b="1" dirty="0">
+              <a:latin typeface="Times New Roman" panose="02020603050405020304" pitchFamily="18" charset="0"/>
+              <a:cs typeface="Times New Roman" panose="02020603050405020304" pitchFamily="18" charset="0"/>
+            </a:endParaRPr>
           </a:p>
         </p:txBody>
       </p:sp>
@@ -10311,6 +10388,7 @@
               <a:rPr lang="en-US" altLang="zh-CN" sz="2000"/>
               <a:t>PGD: projected gradient descent</a:t>
             </a:r>
+            <a:endParaRPr lang="en-US" altLang="zh-CN" sz="2000"/>
           </a:p>
         </p:txBody>
       </p:sp>
@@ -10323,7 +10401,7 @@
           <p:nvPr/>
         </p:nvPicPr>
         <p:blipFill>
-          <a:blip r:embed="rId3"/>
+          <a:blip r:embed="rId1"/>
           <a:stretch>
             <a:fillRect/>
           </a:stretch>
@@ -10343,11 +10421,11 @@
   <p:clrMapOvr>
     <a:masterClrMapping/>
   </p:clrMapOvr>
-  <mc:AlternateContent xmlns:mc="http://schemas.openxmlformats.org/markup-compatibility/2006" xmlns:p14="http://schemas.microsoft.com/office/powerpoint/2010/main">
-    <mc:Choice Requires="p14">
+  <mc:AlternateContent xmlns:mc="http://schemas.openxmlformats.org/markup-compatibility/2006">
+    <mc:Choice xmlns:p14="http://schemas.microsoft.com/office/powerpoint/2010/main" Requires="p14">
       <p:transition spd="slow" p14:dur="1600"/>
     </mc:Choice>
-    <mc:Fallback xmlns="">
+    <mc:Fallback>
       <p:transition spd="slow"/>
     </mc:Fallback>
   </mc:AlternateContent>
@@ -10398,6 +10476,10 @@
               </a:rPr>
               <a:t>论文调研</a:t>
             </a:r>
+            <a:endParaRPr lang="zh-CN" altLang="en-US" b="1" dirty="0">
+              <a:latin typeface="Times New Roman" panose="02020603050405020304" pitchFamily="18" charset="0"/>
+              <a:cs typeface="Times New Roman" panose="02020603050405020304" pitchFamily="18" charset="0"/>
+            </a:endParaRPr>
           </a:p>
         </p:txBody>
       </p:sp>
@@ -10431,6 +10513,7 @@
               <a:rPr lang="en-US" altLang="zh-CN" sz="2000" dirty="0"/>
               <a:t>: Generalized alternating minimization</a:t>
             </a:r>
+            <a:endParaRPr lang="en-US" altLang="zh-CN" sz="2000" dirty="0"/>
           </a:p>
         </p:txBody>
       </p:sp>
@@ -10443,7 +10526,7 @@
           <p:nvPr/>
         </p:nvPicPr>
         <p:blipFill>
-          <a:blip r:embed="rId3"/>
+          <a:blip r:embed="rId1"/>
           <a:stretch>
             <a:fillRect/>
           </a:stretch>
@@ -10467,7 +10550,7 @@
           <p:nvPr/>
         </p:nvPicPr>
         <p:blipFill>
-          <a:blip r:embed="rId4"/>
+          <a:blip r:embed="rId2"/>
           <a:stretch>
             <a:fillRect/>
           </a:stretch>
@@ -10508,6 +10591,7 @@
               <a:rPr lang="en-US" altLang="zh-CN"/>
               <a:t>descent version of gAM</a:t>
             </a:r>
+            <a:endParaRPr lang="en-US" altLang="zh-CN"/>
           </a:p>
         </p:txBody>
       </p:sp>
@@ -10516,11 +10600,11 @@
   <p:clrMapOvr>
     <a:masterClrMapping/>
   </p:clrMapOvr>
-  <mc:AlternateContent xmlns:mc="http://schemas.openxmlformats.org/markup-compatibility/2006" xmlns:p14="http://schemas.microsoft.com/office/powerpoint/2010/main">
-    <mc:Choice Requires="p14">
+  <mc:AlternateContent xmlns:mc="http://schemas.openxmlformats.org/markup-compatibility/2006">
+    <mc:Choice xmlns:p14="http://schemas.microsoft.com/office/powerpoint/2010/main" Requires="p14">
       <p:transition spd="slow" p14:dur="1600"/>
     </mc:Choice>
-    <mc:Fallback xmlns="">
+    <mc:Fallback>
       <p:transition spd="slow"/>
     </mc:Fallback>
   </mc:AlternateContent>
@@ -10571,6 +10655,10 @@
               </a:rPr>
               <a:t>论文调研</a:t>
             </a:r>
+            <a:endParaRPr lang="zh-CN" altLang="en-US" b="1" dirty="0">
+              <a:latin typeface="Times New Roman" panose="02020603050405020304" pitchFamily="18" charset="0"/>
+              <a:cs typeface="Times New Roman" panose="02020603050405020304" pitchFamily="18" charset="0"/>
+            </a:endParaRPr>
           </a:p>
         </p:txBody>
       </p:sp>
@@ -10600,6 +10688,7 @@
               <a:rPr lang="en-US" altLang="zh-CN" sz="2000"/>
               <a:t>EM: Expectation-Maximization </a:t>
             </a:r>
+            <a:endParaRPr lang="en-US" altLang="zh-CN" sz="2000"/>
           </a:p>
         </p:txBody>
       </p:sp>
@@ -10612,7 +10701,7 @@
           <p:nvPr/>
         </p:nvPicPr>
         <p:blipFill>
-          <a:blip r:embed="rId3"/>
+          <a:blip r:embed="rId1"/>
           <a:stretch>
             <a:fillRect/>
           </a:stretch>
@@ -10632,11 +10721,11 @@
   <p:clrMapOvr>
     <a:masterClrMapping/>
   </p:clrMapOvr>
-  <mc:AlternateContent xmlns:mc="http://schemas.openxmlformats.org/markup-compatibility/2006" xmlns:p14="http://schemas.microsoft.com/office/powerpoint/2010/main">
-    <mc:Choice Requires="p14">
+  <mc:AlternateContent xmlns:mc="http://schemas.openxmlformats.org/markup-compatibility/2006">
+    <mc:Choice xmlns:p14="http://schemas.microsoft.com/office/powerpoint/2010/main" Requires="p14">
       <p:transition spd="slow" p14:dur="1600"/>
     </mc:Choice>
-    <mc:Fallback xmlns="">
+    <mc:Fallback>
       <p:transition spd="slow"/>
     </mc:Fallback>
   </mc:AlternateContent>
@@ -10687,6 +10776,10 @@
               </a:rPr>
               <a:t>论文调研</a:t>
             </a:r>
+            <a:endParaRPr lang="zh-CN" altLang="en-US" b="1" dirty="0">
+              <a:latin typeface="Times New Roman" panose="02020603050405020304" pitchFamily="18" charset="0"/>
+              <a:cs typeface="Times New Roman" panose="02020603050405020304" pitchFamily="18" charset="0"/>
+            </a:endParaRPr>
           </a:p>
         </p:txBody>
       </p:sp>
@@ -10716,6 +10809,7 @@
               <a:rPr lang="en-US" altLang="zh-CN" sz="2000"/>
               <a:t>Stochastic Optimization </a:t>
             </a:r>
+            <a:endParaRPr lang="en-US" altLang="zh-CN" sz="2000"/>
           </a:p>
         </p:txBody>
       </p:sp>
@@ -10728,7 +10822,7 @@
           <p:nvPr/>
         </p:nvPicPr>
         <p:blipFill>
-          <a:blip r:embed="rId3"/>
+          <a:blip r:embed="rId1"/>
           <a:stretch>
             <a:fillRect/>
           </a:stretch>
@@ -10748,11 +10842,11 @@
   <p:clrMapOvr>
     <a:masterClrMapping/>
   </p:clrMapOvr>
-  <mc:AlternateContent xmlns:mc="http://schemas.openxmlformats.org/markup-compatibility/2006" xmlns:p14="http://schemas.microsoft.com/office/powerpoint/2010/main">
-    <mc:Choice Requires="p14">
+  <mc:AlternateContent xmlns:mc="http://schemas.openxmlformats.org/markup-compatibility/2006">
+    <mc:Choice xmlns:p14="http://schemas.microsoft.com/office/powerpoint/2010/main" Requires="p14">
       <p:transition spd="slow" p14:dur="1600"/>
     </mc:Choice>
-    <mc:Fallback xmlns="">
+    <mc:Fallback>
       <p:transition spd="slow"/>
     </mc:Fallback>
   </mc:AlternateContent>
@@ -10803,6 +10897,10 @@
               </a:rPr>
               <a:t>算法实现</a:t>
             </a:r>
+            <a:endParaRPr lang="zh-CN" altLang="en-US" b="1" dirty="0">
+              <a:latin typeface="Times New Roman" panose="02020603050405020304" pitchFamily="18" charset="0"/>
+              <a:cs typeface="Times New Roman" panose="02020603050405020304" pitchFamily="18" charset="0"/>
+            </a:endParaRPr>
           </a:p>
         </p:txBody>
       </p:sp>
@@ -10832,6 +10930,7 @@
               <a:rPr lang="en-US" altLang="zh-CN" sz="2000"/>
               <a:t>Stochastic Optimization </a:t>
             </a:r>
+            <a:endParaRPr lang="en-US" altLang="zh-CN" sz="2000"/>
           </a:p>
         </p:txBody>
       </p:sp>
@@ -10865,6 +10964,7 @@
               <a:rPr lang="en-US" altLang="zh-CN" dirty="0"/>
               <a:t>(5000+5000)-&gt;100</a:t>
             </a:r>
+            <a:endParaRPr lang="en-US" altLang="zh-CN" dirty="0"/>
           </a:p>
           <a:p>
             <a:pPr marL="285750" indent="-285750">
@@ -10883,6 +10983,7 @@
               <a:rPr lang="zh-CN" altLang="en-US" dirty="0"/>
               <a:t>散度</a:t>
             </a:r>
+            <a:endParaRPr lang="zh-CN" altLang="en-US" dirty="0"/>
           </a:p>
           <a:p>
             <a:pPr marL="285750" indent="-285750">
@@ -10901,6 +11002,7 @@
               <a:rPr lang="en-US" altLang="zh-CN" dirty="0"/>
               <a:t>=10e-3,10e-4</a:t>
             </a:r>
+            <a:endParaRPr lang="en-US" altLang="zh-CN" dirty="0"/>
           </a:p>
           <a:p>
             <a:pPr marL="285750" indent="-285750">
@@ -10919,6 +11021,7 @@
               <a:rPr lang="en-US" altLang="zh-CN" dirty="0"/>
               <a:t>=0.00013</a:t>
             </a:r>
+            <a:endParaRPr lang="en-US" altLang="zh-CN" dirty="0"/>
           </a:p>
         </p:txBody>
       </p:sp>
@@ -10931,7 +11034,7 @@
           <p:nvPr/>
         </p:nvPicPr>
         <p:blipFill>
-          <a:blip r:embed="rId3"/>
+          <a:blip r:embed="rId1"/>
           <a:stretch>
             <a:fillRect/>
           </a:stretch>
@@ -10955,7 +11058,7 @@
           <p:nvPr/>
         </p:nvPicPr>
         <p:blipFill>
-          <a:blip r:embed="rId4"/>
+          <a:blip r:embed="rId2"/>
           <a:stretch>
             <a:fillRect/>
           </a:stretch>
@@ -10975,11 +11078,11 @@
   <p:clrMapOvr>
     <a:masterClrMapping/>
   </p:clrMapOvr>
-  <mc:AlternateContent xmlns:mc="http://schemas.openxmlformats.org/markup-compatibility/2006" xmlns:p14="http://schemas.microsoft.com/office/powerpoint/2010/main">
-    <mc:Choice Requires="p14">
+  <mc:AlternateContent xmlns:mc="http://schemas.openxmlformats.org/markup-compatibility/2006">
+    <mc:Choice xmlns:p14="http://schemas.microsoft.com/office/powerpoint/2010/main" Requires="p14">
       <p:transition spd="slow" p14:dur="1600"/>
     </mc:Choice>
-    <mc:Fallback xmlns="">
+    <mc:Fallback>
       <p:transition spd="slow"/>
     </mc:Fallback>
   </mc:AlternateContent>
@@ -11012,7 +11115,7 @@
           <p:nvPr/>
         </p:nvPicPr>
         <p:blipFill>
-          <a:blip r:embed="rId2">
+          <a:blip r:embed="rId1">
             <a:extLst>
               <a:ext uri="{28A0092B-C50C-407E-A947-70E740481C1C}">
                 <a14:useLocalDpi xmlns:a14="http://schemas.microsoft.com/office/drawing/2010/main" val="0"/>
@@ -11051,7 +11154,7 @@
           <p:nvPr/>
         </p:nvPicPr>
         <p:blipFill>
-          <a:blip r:embed="rId3"/>
+          <a:blip r:embed="rId2"/>
           <a:stretch>
             <a:fillRect/>
           </a:stretch>
@@ -11113,6 +11216,10 @@
               </a:rPr>
               <a:t>Method</a:t>
             </a:r>
+            <a:endParaRPr lang="en-US" altLang="en-GB" b="1" dirty="0">
+              <a:latin typeface="Times New Roman" panose="02020603050405020304" pitchFamily="18" charset="0"/>
+              <a:cs typeface="Times New Roman" panose="02020603050405020304" pitchFamily="18" charset="0"/>
+            </a:endParaRPr>
           </a:p>
         </p:txBody>
       </p:sp>
@@ -11148,6 +11255,7 @@
               <a:rPr lang="zh-CN" altLang="en-US" dirty="0"/>
               <a:t>近似</a:t>
             </a:r>
+            <a:endParaRPr lang="zh-CN" altLang="en-US" dirty="0"/>
           </a:p>
         </p:txBody>
       </p:sp>
@@ -11260,6 +11368,7 @@
               <a:rPr lang="zh-CN" altLang="en-US" sz="1400"/>
               <a:t>用一批较少的点构建的分布，去近似原来所有的点所构建的分布</a:t>
             </a:r>
+            <a:endParaRPr lang="zh-CN" altLang="en-US" sz="1400"/>
           </a:p>
         </p:txBody>
       </p:sp>
@@ -11293,6 +11402,7 @@
               <a:rPr lang="zh-CN" altLang="en-US"/>
               <a:t>更新</a:t>
             </a:r>
+            <a:endParaRPr lang="zh-CN" altLang="en-US"/>
           </a:p>
         </p:txBody>
       </p:sp>
@@ -11376,6 +11486,7 @@
               <a:rPr lang="en-US" altLang="zh-CN" sz="2400" dirty="0"/>
               <a:t>P </a:t>
             </a:r>
+            <a:endParaRPr lang="en-US" altLang="zh-CN" sz="2400" dirty="0"/>
           </a:p>
         </p:txBody>
       </p:sp>
@@ -11410,6 +11521,7 @@
               <a:rPr lang="en-US" altLang="zh-CN" sz="2400" dirty="0"/>
               <a:t>Q  pool  </a:t>
             </a:r>
+            <a:endParaRPr lang="en-US" altLang="zh-CN" sz="2400" dirty="0"/>
           </a:p>
         </p:txBody>
       </p:sp>
@@ -11442,6 +11554,7 @@
               <a:rPr lang="en-US" altLang="zh-CN" sz="2400" dirty="0"/>
               <a:t>S</a:t>
             </a:r>
+            <a:endParaRPr lang="en-US" altLang="zh-CN" sz="2400" dirty="0"/>
           </a:p>
         </p:txBody>
       </p:sp>
@@ -11730,6 +11843,7 @@
               <a:rPr lang="en-US" altLang="zh-CN"/>
               <a:t>update</a:t>
             </a:r>
+            <a:endParaRPr lang="en-US" altLang="zh-CN"/>
           </a:p>
         </p:txBody>
       </p:sp>
@@ -11759,6 +11873,7 @@
               <a:rPr lang="en-US" altLang="zh-CN"/>
               <a:t>N</a:t>
             </a:r>
+            <a:endParaRPr lang="en-US" altLang="zh-CN"/>
           </a:p>
         </p:txBody>
       </p:sp>
@@ -11788,6 +11903,7 @@
               <a:rPr lang="en-US" altLang="zh-CN"/>
               <a:t>N</a:t>
             </a:r>
+            <a:endParaRPr lang="en-US" altLang="zh-CN"/>
           </a:p>
         </p:txBody>
       </p:sp>
@@ -11817,6 +11933,7 @@
               <a:rPr lang="en-US" altLang="zh-CN"/>
               <a:t>N</a:t>
             </a:r>
+            <a:endParaRPr lang="en-US" altLang="zh-CN"/>
           </a:p>
         </p:txBody>
       </p:sp>
@@ -11850,6 +11967,7 @@
               <a:rPr lang="zh-CN" altLang="en-US"/>
               <a:t>近似</a:t>
             </a:r>
+            <a:endParaRPr lang="zh-CN" altLang="en-US"/>
           </a:p>
         </p:txBody>
       </p:sp>
@@ -12637,6 +12755,10 @@
               </a:rPr>
               <a:t>Method</a:t>
             </a:r>
+            <a:endParaRPr lang="en-US" altLang="en-GB" b="1" dirty="0">
+              <a:latin typeface="Times New Roman" panose="02020603050405020304" pitchFamily="18" charset="0"/>
+              <a:cs typeface="Times New Roman" panose="02020603050405020304" pitchFamily="18" charset="0"/>
+            </a:endParaRPr>
           </a:p>
         </p:txBody>
       </p:sp>
@@ -12672,12 +12794,133 @@
               <a:rPr lang="zh-CN" altLang="en-US" dirty="0"/>
               <a:t>形式化写出问题</a:t>
             </a:r>
+            <a:endParaRPr lang="zh-CN" altLang="en-US" dirty="0"/>
           </a:p>
         </p:txBody>
       </p:sp>
       <p:pic>
         <p:nvPicPr>
           <p:cNvPr id="13" name="图片 12" descr="problem"/>
+          <p:cNvPicPr>
+            <a:picLocks noChangeAspect="1"/>
+          </p:cNvPicPr>
+          <p:nvPr/>
+        </p:nvPicPr>
+        <p:blipFill>
+          <a:blip r:embed="rId1"/>
+          <a:stretch>
+            <a:fillRect/>
+          </a:stretch>
+        </p:blipFill>
+        <p:spPr>
+          <a:xfrm>
+            <a:off x="3009583" y="1905000"/>
+            <a:ext cx="6172835" cy="2213610"/>
+          </a:xfrm>
+          <a:prstGeom prst="rect">
+            <a:avLst/>
+          </a:prstGeom>
+        </p:spPr>
+      </p:pic>
+      <p:sp>
+        <p:nvSpPr>
+          <p:cNvPr id="15" name="文本框 14"/>
+          <p:cNvSpPr txBox="1"/>
+          <p:nvPr/>
+        </p:nvSpPr>
+        <p:spPr>
+          <a:xfrm>
+            <a:off x="1066165" y="4800600"/>
+            <a:ext cx="2011680" cy="368300"/>
+          </a:xfrm>
+          <a:prstGeom prst="rect">
+            <a:avLst/>
+          </a:prstGeom>
+          <a:noFill/>
+        </p:spPr>
+        <p:txBody>
+          <a:bodyPr wrap="none" rtlCol="0">
+            <a:spAutoFit/>
+          </a:bodyPr>
+          <a:lstStyle/>
+          <a:p>
+            <a:r>
+              <a:rPr lang="en-US" altLang="zh-CN"/>
+              <a:t>2. </a:t>
+            </a:r>
+            <a:r>
+              <a:rPr lang="zh-CN" altLang="en-US"/>
+              <a:t>度量分布的距离</a:t>
+            </a:r>
+            <a:endParaRPr lang="zh-CN" altLang="en-US"/>
+          </a:p>
+        </p:txBody>
+      </p:sp>
+      <p:sp>
+        <p:nvSpPr>
+          <p:cNvPr id="4" name="文本框 3"/>
+          <p:cNvSpPr txBox="1"/>
+          <p:nvPr/>
+        </p:nvSpPr>
+        <p:spPr>
+          <a:xfrm>
+            <a:off x="1363980" y="5638800"/>
+            <a:ext cx="852170" cy="275590"/>
+          </a:xfrm>
+          <a:prstGeom prst="rect">
+            <a:avLst/>
+          </a:prstGeom>
+          <a:noFill/>
+        </p:spPr>
+        <p:txBody>
+          <a:bodyPr wrap="none" rtlCol="0">
+            <a:spAutoFit/>
+          </a:bodyPr>
+          <a:lstStyle/>
+          <a:p>
+            <a:r>
+              <a:rPr lang="en-US" altLang="zh-CN" sz="1200"/>
+              <a:t>b. Lp</a:t>
+            </a:r>
+            <a:r>
+              <a:rPr lang="zh-CN" altLang="en-US" sz="1200"/>
+              <a:t>范数</a:t>
+            </a:r>
+            <a:r>
+              <a:rPr lang="en-US" altLang="zh-CN" sz="1200"/>
+              <a:t>:</a:t>
+            </a:r>
+            <a:endParaRPr lang="en-US" altLang="zh-CN" sz="1200"/>
+          </a:p>
+        </p:txBody>
+      </p:sp>
+      <p:pic>
+        <p:nvPicPr>
+          <p:cNvPr id="5" name="图片 4" descr="lp"/>
+          <p:cNvPicPr>
+            <a:picLocks noChangeAspect="1"/>
+          </p:cNvPicPr>
+          <p:nvPr/>
+        </p:nvPicPr>
+        <p:blipFill>
+          <a:blip r:embed="rId2"/>
+          <a:stretch>
+            <a:fillRect/>
+          </a:stretch>
+        </p:blipFill>
+        <p:spPr>
+          <a:xfrm>
+            <a:off x="2590800" y="5715000"/>
+            <a:ext cx="1569085" cy="263525"/>
+          </a:xfrm>
+          <a:prstGeom prst="rect">
+            <a:avLst/>
+          </a:prstGeom>
+        </p:spPr>
+      </p:pic>
+      <p:pic>
+        <p:nvPicPr>
+          <p:cNvPr id="6" name="图片 5" descr="kl"/>
           <p:cNvPicPr>
             <a:picLocks noChangeAspect="1"/>
           </p:cNvPicPr>
@@ -12691,8 +12934,8 @@
         </p:blipFill>
         <p:spPr>
           <a:xfrm>
-            <a:off x="3009583" y="1905000"/>
-            <a:ext cx="6172835" cy="2213610"/>
+            <a:off x="2590800" y="5147310"/>
+            <a:ext cx="1326515" cy="491490"/>
           </a:xfrm>
           <a:prstGeom prst="rect">
             <a:avLst/>
@@ -12701,14 +12944,14 @@
       </p:pic>
       <p:sp>
         <p:nvSpPr>
-          <p:cNvPr id="15" name="文本框 14"/>
+          <p:cNvPr id="8" name="文本框 7"/>
           <p:cNvSpPr txBox="1"/>
           <p:nvPr/>
         </p:nvSpPr>
         <p:spPr>
           <a:xfrm>
-            <a:off x="1066165" y="4800600"/>
-            <a:ext cx="2011680" cy="368300"/>
+            <a:off x="1343025" y="5250815"/>
+            <a:ext cx="894080" cy="306705"/>
           </a:xfrm>
           <a:prstGeom prst="rect">
             <a:avLst/>
@@ -12722,124 +12965,6 @@
           <a:lstStyle/>
           <a:p>
             <a:r>
-              <a:rPr lang="en-US" altLang="zh-CN"/>
-              <a:t>2. </a:t>
-            </a:r>
-            <a:r>
-              <a:rPr lang="zh-CN" altLang="en-US"/>
-              <a:t>度量分布的距离</a:t>
-            </a:r>
-          </a:p>
-        </p:txBody>
-      </p:sp>
-      <p:sp>
-        <p:nvSpPr>
-          <p:cNvPr id="4" name="文本框 3"/>
-          <p:cNvSpPr txBox="1"/>
-          <p:nvPr/>
-        </p:nvSpPr>
-        <p:spPr>
-          <a:xfrm>
-            <a:off x="1363980" y="5638800"/>
-            <a:ext cx="852170" cy="275590"/>
-          </a:xfrm>
-          <a:prstGeom prst="rect">
-            <a:avLst/>
-          </a:prstGeom>
-          <a:noFill/>
-        </p:spPr>
-        <p:txBody>
-          <a:bodyPr wrap="none" rtlCol="0">
-            <a:spAutoFit/>
-          </a:bodyPr>
-          <a:lstStyle/>
-          <a:p>
-            <a:r>
-              <a:rPr lang="en-US" altLang="zh-CN" sz="1200"/>
-              <a:t>b. Lp</a:t>
-            </a:r>
-            <a:r>
-              <a:rPr lang="zh-CN" altLang="en-US" sz="1200"/>
-              <a:t>范数</a:t>
-            </a:r>
-            <a:r>
-              <a:rPr lang="en-US" altLang="zh-CN" sz="1200"/>
-              <a:t>:</a:t>
-            </a:r>
-          </a:p>
-        </p:txBody>
-      </p:sp>
-      <p:pic>
-        <p:nvPicPr>
-          <p:cNvPr id="5" name="图片 4" descr="lp"/>
-          <p:cNvPicPr>
-            <a:picLocks noChangeAspect="1"/>
-          </p:cNvPicPr>
-          <p:nvPr/>
-        </p:nvPicPr>
-        <p:blipFill>
-          <a:blip r:embed="rId4"/>
-          <a:stretch>
-            <a:fillRect/>
-          </a:stretch>
-        </p:blipFill>
-        <p:spPr>
-          <a:xfrm>
-            <a:off x="2590800" y="5715000"/>
-            <a:ext cx="1569085" cy="263525"/>
-          </a:xfrm>
-          <a:prstGeom prst="rect">
-            <a:avLst/>
-          </a:prstGeom>
-        </p:spPr>
-      </p:pic>
-      <p:pic>
-        <p:nvPicPr>
-          <p:cNvPr id="6" name="图片 5" descr="kl"/>
-          <p:cNvPicPr>
-            <a:picLocks noChangeAspect="1"/>
-          </p:cNvPicPr>
-          <p:nvPr/>
-        </p:nvPicPr>
-        <p:blipFill>
-          <a:blip r:embed="rId5"/>
-          <a:stretch>
-            <a:fillRect/>
-          </a:stretch>
-        </p:blipFill>
-        <p:spPr>
-          <a:xfrm>
-            <a:off x="2590800" y="5147310"/>
-            <a:ext cx="1326515" cy="491490"/>
-          </a:xfrm>
-          <a:prstGeom prst="rect">
-            <a:avLst/>
-          </a:prstGeom>
-        </p:spPr>
-      </p:pic>
-      <p:sp>
-        <p:nvSpPr>
-          <p:cNvPr id="8" name="文本框 7"/>
-          <p:cNvSpPr txBox="1"/>
-          <p:nvPr/>
-        </p:nvSpPr>
-        <p:spPr>
-          <a:xfrm>
-            <a:off x="1343025" y="5250815"/>
-            <a:ext cx="894080" cy="306705"/>
-          </a:xfrm>
-          <a:prstGeom prst="rect">
-            <a:avLst/>
-          </a:prstGeom>
-          <a:noFill/>
-        </p:spPr>
-        <p:txBody>
-          <a:bodyPr wrap="none" rtlCol="0">
-            <a:spAutoFit/>
-          </a:bodyPr>
-          <a:lstStyle/>
-          <a:p>
-            <a:r>
               <a:rPr lang="en-US" altLang="zh-CN" sz="1400"/>
               <a:t>a. kl</a:t>
             </a:r>
@@ -12851,6 +12976,7 @@
               <a:rPr lang="en-US" altLang="zh-CN" sz="1400"/>
               <a:t>:</a:t>
             </a:r>
+            <a:endParaRPr lang="en-US" altLang="zh-CN" sz="1400"/>
           </a:p>
         </p:txBody>
       </p:sp>
@@ -12859,11 +12985,11 @@
   <p:clrMapOvr>
     <a:masterClrMapping/>
   </p:clrMapOvr>
-  <mc:AlternateContent xmlns:mc="http://schemas.openxmlformats.org/markup-compatibility/2006" xmlns:p14="http://schemas.microsoft.com/office/powerpoint/2010/main">
-    <mc:Choice Requires="p14">
+  <mc:AlternateContent xmlns:mc="http://schemas.openxmlformats.org/markup-compatibility/2006">
+    <mc:Choice xmlns:p14="http://schemas.microsoft.com/office/powerpoint/2010/main" Requires="p14">
       <p:transition spd="slow" p14:dur="1600"/>
     </mc:Choice>
-    <mc:Fallback xmlns="">
+    <mc:Fallback>
       <p:transition spd="slow"/>
     </mc:Fallback>
   </mc:AlternateContent>
@@ -13145,6 +13271,10 @@
               </a:rPr>
               <a:t>Method</a:t>
             </a:r>
+            <a:endParaRPr lang="en-US" altLang="en-GB" b="1" dirty="0">
+              <a:latin typeface="Times New Roman" panose="02020603050405020304" pitchFamily="18" charset="0"/>
+              <a:cs typeface="Times New Roman" panose="02020603050405020304" pitchFamily="18" charset="0"/>
+            </a:endParaRPr>
           </a:p>
         </p:txBody>
       </p:sp>
@@ -13180,6 +13310,7 @@
               <a:rPr lang="zh-CN" altLang="en-US" dirty="0"/>
               <a:t>散度作为分布距离的度量</a:t>
             </a:r>
+            <a:endParaRPr lang="zh-CN" altLang="en-US" dirty="0"/>
           </a:p>
         </p:txBody>
       </p:sp>
@@ -13192,7 +13323,7 @@
           <p:nvPr/>
         </p:nvPicPr>
         <p:blipFill>
-          <a:blip r:embed="rId3"/>
+          <a:blip r:embed="rId1"/>
           <a:stretch>
             <a:fillRect/>
           </a:stretch>
@@ -13212,11 +13343,11 @@
   <p:clrMapOvr>
     <a:masterClrMapping/>
   </p:clrMapOvr>
-  <mc:AlternateContent xmlns:mc="http://schemas.openxmlformats.org/markup-compatibility/2006" xmlns:p14="http://schemas.microsoft.com/office/powerpoint/2010/main">
-    <mc:Choice Requires="p14">
+  <mc:AlternateContent xmlns:mc="http://schemas.openxmlformats.org/markup-compatibility/2006">
+    <mc:Choice xmlns:p14="http://schemas.microsoft.com/office/powerpoint/2010/main" Requires="p14">
       <p:transition spd="slow" p14:dur="1600"/>
     </mc:Choice>
-    <mc:Fallback xmlns="">
+    <mc:Fallback>
       <p:transition spd="slow"/>
     </mc:Fallback>
   </mc:AlternateContent>
@@ -13350,6 +13481,10 @@
               </a:rPr>
               <a:t>Method</a:t>
             </a:r>
+            <a:endParaRPr lang="en-US" altLang="en-GB" b="1" dirty="0">
+              <a:latin typeface="Times New Roman" panose="02020603050405020304" pitchFamily="18" charset="0"/>
+              <a:cs typeface="Times New Roman" panose="02020603050405020304" pitchFamily="18" charset="0"/>
+            </a:endParaRPr>
           </a:p>
         </p:txBody>
       </p:sp>
@@ -13402,7 +13537,7 @@
           <p:nvPr/>
         </p:nvPicPr>
         <p:blipFill>
-          <a:blip r:embed="rId3"/>
+          <a:blip r:embed="rId1"/>
           <a:stretch>
             <a:fillRect/>
           </a:stretch>
@@ -13422,11 +13557,11 @@
   <p:clrMapOvr>
     <a:masterClrMapping/>
   </p:clrMapOvr>
-  <mc:AlternateContent xmlns:mc="http://schemas.openxmlformats.org/markup-compatibility/2006" xmlns:p14="http://schemas.microsoft.com/office/powerpoint/2010/main">
-    <mc:Choice Requires="p14">
+  <mc:AlternateContent xmlns:mc="http://schemas.openxmlformats.org/markup-compatibility/2006">
+    <mc:Choice xmlns:p14="http://schemas.microsoft.com/office/powerpoint/2010/main" Requires="p14">
       <p:transition spd="slow" p14:dur="1600"/>
     </mc:Choice>
-    <mc:Fallback xmlns="">
+    <mc:Fallback>
       <p:transition spd="slow"/>
     </mc:Fallback>
   </mc:AlternateContent>
@@ -13560,6 +13695,10 @@
               </a:rPr>
               <a:t>Method</a:t>
             </a:r>
+            <a:endParaRPr lang="en-US" altLang="en-GB" b="1" dirty="0">
+              <a:latin typeface="Times New Roman" panose="02020603050405020304" pitchFamily="18" charset="0"/>
+              <a:cs typeface="Times New Roman" panose="02020603050405020304" pitchFamily="18" charset="0"/>
+            </a:endParaRPr>
           </a:p>
         </p:txBody>
       </p:sp>
@@ -13595,6 +13734,7 @@
               <a:rPr lang="zh-CN" altLang="en-US" dirty="0"/>
               <a:t>优化算法</a:t>
             </a:r>
+            <a:endParaRPr lang="zh-CN" altLang="en-US" dirty="0"/>
           </a:p>
         </p:txBody>
       </p:sp>
@@ -13607,7 +13747,7 @@
           <p:nvPr/>
         </p:nvPicPr>
         <p:blipFill>
-          <a:blip r:embed="rId3"/>
+          <a:blip r:embed="rId1"/>
           <a:stretch>
             <a:fillRect/>
           </a:stretch>
@@ -13627,11 +13767,11 @@
   <p:clrMapOvr>
     <a:masterClrMapping/>
   </p:clrMapOvr>
-  <mc:AlternateContent xmlns:mc="http://schemas.openxmlformats.org/markup-compatibility/2006" xmlns:p14="http://schemas.microsoft.com/office/powerpoint/2010/main">
-    <mc:Choice Requires="p14">
+  <mc:AlternateContent xmlns:mc="http://schemas.openxmlformats.org/markup-compatibility/2006">
+    <mc:Choice xmlns:p14="http://schemas.microsoft.com/office/powerpoint/2010/main" Requires="p14">
       <p:transition spd="slow" p14:dur="1600"/>
     </mc:Choice>
-    <mc:Fallback xmlns="">
+    <mc:Fallback>
       <p:transition spd="slow"/>
     </mc:Fallback>
   </mc:AlternateContent>
@@ -13682,6 +13822,10 @@
               </a:rPr>
               <a:t>Results</a:t>
             </a:r>
+            <a:endParaRPr lang="en-US" altLang="en-GB" b="1" dirty="0">
+              <a:latin typeface="Times New Roman" panose="02020603050405020304" pitchFamily="18" charset="0"/>
+              <a:cs typeface="Times New Roman" panose="02020603050405020304" pitchFamily="18" charset="0"/>
+            </a:endParaRPr>
           </a:p>
         </p:txBody>
       </p:sp>
@@ -13717,6 +13861,7 @@
               <a:rPr lang="en-US" altLang="zh-CN" dirty="0"/>
               <a:t>:</a:t>
             </a:r>
+            <a:endParaRPr lang="en-US" altLang="zh-CN" dirty="0"/>
           </a:p>
         </p:txBody>
       </p:sp>
@@ -13753,18 +13898,21 @@
               <a:rPr lang="en-US" altLang="zh-CN"/>
               <a:t>optim: 18s</a:t>
             </a:r>
+            <a:endParaRPr lang="en-US" altLang="zh-CN"/>
           </a:p>
           <a:p>
             <a:r>
               <a:rPr lang="en-US" altLang="zh-CN"/>
               <a:t>cluster: 1.1s</a:t>
             </a:r>
+            <a:endParaRPr lang="en-US" altLang="zh-CN"/>
           </a:p>
           <a:p>
             <a:r>
               <a:rPr lang="en-US" altLang="zh-CN"/>
               <a:t>mid: 0.003s</a:t>
             </a:r>
+            <a:endParaRPr lang="en-US" altLang="zh-CN"/>
           </a:p>
         </p:txBody>
       </p:sp>
@@ -13777,7 +13925,7 @@
           <p:nvPr/>
         </p:nvPicPr>
         <p:blipFill>
-          <a:blip r:embed="rId3"/>
+          <a:blip r:embed="rId1"/>
           <a:stretch>
             <a:fillRect/>
           </a:stretch>
@@ -13797,11 +13945,11 @@
   <p:clrMapOvr>
     <a:masterClrMapping/>
   </p:clrMapOvr>
-  <mc:AlternateContent xmlns:mc="http://schemas.openxmlformats.org/markup-compatibility/2006" xmlns:p14="http://schemas.microsoft.com/office/powerpoint/2010/main">
-    <mc:Choice Requires="p14">
+  <mc:AlternateContent xmlns:mc="http://schemas.openxmlformats.org/markup-compatibility/2006">
+    <mc:Choice xmlns:p14="http://schemas.microsoft.com/office/powerpoint/2010/main" Requires="p14">
       <p:transition spd="slow" p14:dur="1600"/>
     </mc:Choice>
-    <mc:Fallback xmlns="">
+    <mc:Fallback>
       <p:transition spd="slow"/>
     </mc:Fallback>
   </mc:AlternateContent>
@@ -14113,7 +14261,6 @@
       </a:style>
     </a:lnDef>
   </a:objectDefaults>
-  <a:extraClrSchemeLst/>
   <a:extLst>
     <a:ext uri="{05A4C25C-085E-4340-85A3-A5531E510DB2}">
       <thm15:themeFamily xmlns:thm15="http://schemas.microsoft.com/office/thememl/2012/main" name="Office Theme" id="{62F939B6-93AF-4DB8-9C6B-D6C7DFDC589F}" vid="{4A3C46E8-61CC-4603-A589-7422A47A8E4A}"/>
@@ -14400,8 +14547,6 @@
       </a:bgFillStyleLst>
     </a:fmtScheme>
   </a:themeElements>
-  <a:objectDefaults/>
-  <a:extraClrSchemeLst/>
   <a:extLst>
     <a:ext uri="{05A4C25C-085E-4340-85A3-A5531E510DB2}">
       <thm15:themeFamily xmlns:thm15="http://schemas.microsoft.com/office/thememl/2012/main" name="Office Theme" id="{62F939B6-93AF-4DB8-9C6B-D6C7DFDC589F}" vid="{4A3C46E8-61CC-4603-A589-7422A47A8E4A}"/>
@@ -14661,8 +14806,6 @@
       </a:bgFillStyleLst>
     </a:fmtScheme>
   </a:themeElements>
-  <a:objectDefaults/>
-  <a:extraClrSchemeLst/>
   <a:extLst>
     <a:ext uri="{05A4C25C-085E-4340-85A3-A5531E510DB2}">
       <thm15:themeFamily xmlns:thm15="http://schemas.microsoft.com/office/thememl/2012/main" name="Office Theme" id="{62F939B6-93AF-4DB8-9C6B-D6C7DFDC589F}" vid="{4A3C46E8-61CC-4603-A589-7422A47A8E4A}"/>
